--- a/07.01/07.01_Презентация_КириллинМаксим.pptx
+++ b/07.01/07.01_Презентация_КириллинМаксим.pptx
@@ -7,12 +7,13 @@
   <p:sldIdLst>
     <p:sldId id="256" r:id="rId2"/>
     <p:sldId id="257" r:id="rId3"/>
-    <p:sldId id="258" r:id="rId4"/>
-    <p:sldId id="259" r:id="rId5"/>
-    <p:sldId id="260" r:id="rId6"/>
-    <p:sldId id="261" r:id="rId7"/>
-    <p:sldId id="262" r:id="rId8"/>
-    <p:sldId id="263" r:id="rId9"/>
+    <p:sldId id="264" r:id="rId4"/>
+    <p:sldId id="258" r:id="rId5"/>
+    <p:sldId id="259" r:id="rId6"/>
+    <p:sldId id="260" r:id="rId7"/>
+    <p:sldId id="261" r:id="rId8"/>
+    <p:sldId id="262" r:id="rId9"/>
+    <p:sldId id="263" r:id="rId10"/>
   </p:sldIdLst>
   <p:sldSz cx="12192000" cy="6858000"/>
   <p:notesSz cx="6858000" cy="9144000"/>
@@ -111,6 +112,11 @@
       </a:defRPr>
     </a:lvl9pPr>
   </p:defaultTextStyle>
+  <p:extLst>
+    <p:ext uri="{EFAFB233-063F-42B5-8137-9DF3F51BA10A}">
+      <p15:sldGuideLst xmlns:p15="http://schemas.microsoft.com/office/powerpoint/2012/main"/>
+    </p:ext>
+  </p:extLst>
 </p:presentation>
 </file>
 
@@ -261,7 +267,7 @@
           <a:p>
             <a:fld id="{267195B3-63F5-40B2-A80A-66C90556C9E7}" type="datetimeFigureOut">
               <a:rPr lang="ru-RU" smtClean="0"/>
-              <a:t>25.02.2024</a:t>
+              <a:t>27.02.2024</a:t>
             </a:fld>
             <a:endParaRPr lang="ru-RU"/>
           </a:p>
@@ -459,7 +465,7 @@
           <a:p>
             <a:fld id="{267195B3-63F5-40B2-A80A-66C90556C9E7}" type="datetimeFigureOut">
               <a:rPr lang="ru-RU" smtClean="0"/>
-              <a:t>25.02.2024</a:t>
+              <a:t>27.02.2024</a:t>
             </a:fld>
             <a:endParaRPr lang="ru-RU"/>
           </a:p>
@@ -667,7 +673,7 @@
           <a:p>
             <a:fld id="{267195B3-63F5-40B2-A80A-66C90556C9E7}" type="datetimeFigureOut">
               <a:rPr lang="ru-RU" smtClean="0"/>
-              <a:t>25.02.2024</a:t>
+              <a:t>27.02.2024</a:t>
             </a:fld>
             <a:endParaRPr lang="ru-RU"/>
           </a:p>
@@ -865,7 +871,7 @@
           <a:p>
             <a:fld id="{267195B3-63F5-40B2-A80A-66C90556C9E7}" type="datetimeFigureOut">
               <a:rPr lang="ru-RU" smtClean="0"/>
-              <a:t>25.02.2024</a:t>
+              <a:t>27.02.2024</a:t>
             </a:fld>
             <a:endParaRPr lang="ru-RU"/>
           </a:p>
@@ -1140,7 +1146,7 @@
           <a:p>
             <a:fld id="{267195B3-63F5-40B2-A80A-66C90556C9E7}" type="datetimeFigureOut">
               <a:rPr lang="ru-RU" smtClean="0"/>
-              <a:t>25.02.2024</a:t>
+              <a:t>27.02.2024</a:t>
             </a:fld>
             <a:endParaRPr lang="ru-RU"/>
           </a:p>
@@ -1405,7 +1411,7 @@
           <a:p>
             <a:fld id="{267195B3-63F5-40B2-A80A-66C90556C9E7}" type="datetimeFigureOut">
               <a:rPr lang="ru-RU" smtClean="0"/>
-              <a:t>25.02.2024</a:t>
+              <a:t>27.02.2024</a:t>
             </a:fld>
             <a:endParaRPr lang="ru-RU"/>
           </a:p>
@@ -1817,7 +1823,7 @@
           <a:p>
             <a:fld id="{267195B3-63F5-40B2-A80A-66C90556C9E7}" type="datetimeFigureOut">
               <a:rPr lang="ru-RU" smtClean="0"/>
-              <a:t>25.02.2024</a:t>
+              <a:t>27.02.2024</a:t>
             </a:fld>
             <a:endParaRPr lang="ru-RU"/>
           </a:p>
@@ -1958,7 +1964,7 @@
           <a:p>
             <a:fld id="{267195B3-63F5-40B2-A80A-66C90556C9E7}" type="datetimeFigureOut">
               <a:rPr lang="ru-RU" smtClean="0"/>
-              <a:t>25.02.2024</a:t>
+              <a:t>27.02.2024</a:t>
             </a:fld>
             <a:endParaRPr lang="ru-RU"/>
           </a:p>
@@ -2071,7 +2077,7 @@
           <a:p>
             <a:fld id="{267195B3-63F5-40B2-A80A-66C90556C9E7}" type="datetimeFigureOut">
               <a:rPr lang="ru-RU" smtClean="0"/>
-              <a:t>25.02.2024</a:t>
+              <a:t>27.02.2024</a:t>
             </a:fld>
             <a:endParaRPr lang="ru-RU"/>
           </a:p>
@@ -2382,7 +2388,7 @@
           <a:p>
             <a:fld id="{267195B3-63F5-40B2-A80A-66C90556C9E7}" type="datetimeFigureOut">
               <a:rPr lang="ru-RU" smtClean="0"/>
-              <a:t>25.02.2024</a:t>
+              <a:t>27.02.2024</a:t>
             </a:fld>
             <a:endParaRPr lang="ru-RU"/>
           </a:p>
@@ -2670,7 +2676,7 @@
           <a:p>
             <a:fld id="{267195B3-63F5-40B2-A80A-66C90556C9E7}" type="datetimeFigureOut">
               <a:rPr lang="ru-RU" smtClean="0"/>
-              <a:t>25.02.2024</a:t>
+              <a:t>27.02.2024</a:t>
             </a:fld>
             <a:endParaRPr lang="ru-RU"/>
           </a:p>
@@ -2920,7 +2926,7 @@
           <a:p>
             <a:fld id="{267195B3-63F5-40B2-A80A-66C90556C9E7}" type="datetimeFigureOut">
               <a:rPr lang="ru-RU" smtClean="0"/>
-              <a:t>25.02.2024</a:t>
+              <a:t>27.02.2024</a:t>
             </a:fld>
             <a:endParaRPr lang="ru-RU"/>
           </a:p>
@@ -3796,7 +3802,7 @@
           <p:cNvPr id="2" name="Заголовок 1">
             <a:extLst>
               <a:ext uri="{FF2B5EF4-FFF2-40B4-BE49-F238E27FC236}">
-                <a16:creationId xmlns:a16="http://schemas.microsoft.com/office/drawing/2014/main" id="{F19391A7-E9DE-40F1-9BC2-55B7713E00CD}"/>
+                <a16:creationId xmlns:a16="http://schemas.microsoft.com/office/drawing/2014/main" id="{1C73B9ED-4EB2-4B0F-AF44-B676D60390DA}"/>
               </a:ext>
             </a:extLst>
           </p:cNvPr>
@@ -3809,7 +3815,7 @@
         </p:nvSpPr>
         <p:spPr>
           <a:xfrm>
-            <a:off x="838200" y="365125"/>
+            <a:off x="838200" y="108184"/>
             <a:ext cx="10515600" cy="1325563"/>
           </a:xfrm>
         </p:spPr>
@@ -3825,247 +3831,307 @@
                 <a:latin typeface="Times New Roman" panose="02020603050405020304" pitchFamily="18" charset="0"/>
                 <a:cs typeface="Times New Roman" panose="02020603050405020304" pitchFamily="18" charset="0"/>
               </a:rPr>
-              <a:t>Разграничение ролей в базе данных</a:t>
-            </a:r>
-          </a:p>
-        </p:txBody>
-      </p:sp>
-      <p:pic>
-        <p:nvPicPr>
-          <p:cNvPr id="4" name="Рисунок 3">
-            <a:extLst>
-              <a:ext uri="{FF2B5EF4-FFF2-40B4-BE49-F238E27FC236}">
-                <a16:creationId xmlns:a16="http://schemas.microsoft.com/office/drawing/2014/main" id="{87C97FC7-CEC0-4BD1-963B-631E532E8F17}"/>
-              </a:ext>
-            </a:extLst>
-          </p:cNvPr>
-          <p:cNvPicPr/>
-          <p:nvPr/>
-        </p:nvPicPr>
-        <p:blipFill>
-          <a:blip r:embed="rId2"/>
-          <a:stretch>
-            <a:fillRect/>
-          </a:stretch>
-        </p:blipFill>
+              <a:t>Анализ настройки групповых политик</a:t>
+            </a:r>
+          </a:p>
+        </p:txBody>
+      </p:sp>
+      <p:sp>
+        <p:nvSpPr>
+          <p:cNvPr id="3" name="Объект 2">
+            <a:extLst>
+              <a:ext uri="{FF2B5EF4-FFF2-40B4-BE49-F238E27FC236}">
+                <a16:creationId xmlns:a16="http://schemas.microsoft.com/office/drawing/2014/main" id="{F9000052-E2BD-4417-A17A-886C43687FD1}"/>
+              </a:ext>
+            </a:extLst>
+          </p:cNvPr>
+          <p:cNvSpPr>
+            <a:spLocks noGrp="1"/>
+          </p:cNvSpPr>
+          <p:nvPr>
+            <p:ph idx="1"/>
+          </p:nvPr>
+        </p:nvSpPr>
         <p:spPr>
           <a:xfrm>
-            <a:off x="262625" y="1690688"/>
-            <a:ext cx="1849980" cy="1837133"/>
-          </a:xfrm>
-          <a:prstGeom prst="rect">
-            <a:avLst/>
-          </a:prstGeom>
-          <a:ln w="38100" cap="sq">
-            <a:solidFill>
-              <a:srgbClr val="000000"/>
-            </a:solidFill>
-            <a:prstDash val="solid"/>
-            <a:miter lim="800000"/>
-          </a:ln>
-          <a:effectLst>
-            <a:outerShdw blurRad="50800" dist="38100" dir="2700000" algn="tl" rotWithShape="0">
-              <a:srgbClr val="000000">
-                <a:alpha val="43000"/>
-              </a:srgbClr>
-            </a:outerShdw>
-          </a:effectLst>
-        </p:spPr>
-      </p:pic>
-      <p:pic>
-        <p:nvPicPr>
-          <p:cNvPr id="5" name="Изображение 3">
-            <a:extLst>
-              <a:ext uri="{FF2B5EF4-FFF2-40B4-BE49-F238E27FC236}">
-                <a16:creationId xmlns:a16="http://schemas.microsoft.com/office/drawing/2014/main" id="{79254C3F-0C34-4F39-85E6-7DE1FD2122E2}"/>
-              </a:ext>
-            </a:extLst>
-          </p:cNvPr>
-          <p:cNvPicPr/>
+            <a:off x="723901" y="1177271"/>
+            <a:ext cx="3581400" cy="4503457"/>
+          </a:xfrm>
+        </p:spPr>
+        <p:txBody>
+          <a:bodyPr>
+            <a:noAutofit/>
+          </a:bodyPr>
+          <a:lstStyle/>
+          <a:p>
+            <a:pPr marL="0" indent="0">
+              <a:lnSpc>
+                <a:spcPct val="100000"/>
+              </a:lnSpc>
+              <a:buNone/>
+            </a:pPr>
+            <a:r>
+              <a:rPr lang="ru-RU" sz="2400" dirty="0">
+                <a:solidFill>
+                  <a:schemeClr val="bg1"/>
+                </a:solidFill>
+                <a:latin typeface="Times New Roman" panose="02020603050405020304" pitchFamily="18" charset="0"/>
+                <a:cs typeface="Times New Roman" panose="02020603050405020304" pitchFamily="18" charset="0"/>
+              </a:rPr>
+              <a:t>Роли уровня сервера:</a:t>
+            </a:r>
+          </a:p>
+          <a:p>
+            <a:pPr>
+              <a:lnSpc>
+                <a:spcPct val="100000"/>
+              </a:lnSpc>
+            </a:pPr>
+            <a:r>
+              <a:rPr lang="en-US" sz="2400" dirty="0">
+                <a:solidFill>
+                  <a:schemeClr val="bg1"/>
+                </a:solidFill>
+                <a:latin typeface="Times New Roman" panose="02020603050405020304" pitchFamily="18" charset="0"/>
+                <a:cs typeface="Times New Roman" panose="02020603050405020304" pitchFamily="18" charset="0"/>
+              </a:rPr>
+              <a:t>Sysadmin</a:t>
+            </a:r>
+          </a:p>
+          <a:p>
+            <a:pPr>
+              <a:lnSpc>
+                <a:spcPct val="100000"/>
+              </a:lnSpc>
+            </a:pPr>
+            <a:r>
+              <a:rPr lang="en-US" sz="2400" dirty="0" err="1">
+                <a:solidFill>
+                  <a:schemeClr val="bg1"/>
+                </a:solidFill>
+                <a:latin typeface="Times New Roman" panose="02020603050405020304" pitchFamily="18" charset="0"/>
+                <a:cs typeface="Times New Roman" panose="02020603050405020304" pitchFamily="18" charset="0"/>
+              </a:rPr>
+              <a:t>Serveradmin</a:t>
+            </a:r>
+            <a:endParaRPr lang="en-US" sz="2400" dirty="0">
+              <a:solidFill>
+                <a:schemeClr val="bg1"/>
+              </a:solidFill>
+              <a:latin typeface="Times New Roman" panose="02020603050405020304" pitchFamily="18" charset="0"/>
+              <a:cs typeface="Times New Roman" panose="02020603050405020304" pitchFamily="18" charset="0"/>
+            </a:endParaRPr>
+          </a:p>
+          <a:p>
+            <a:pPr>
+              <a:lnSpc>
+                <a:spcPct val="100000"/>
+              </a:lnSpc>
+            </a:pPr>
+            <a:r>
+              <a:rPr lang="ru-RU" sz="2400" kern="50" dirty="0" err="1">
+                <a:solidFill>
+                  <a:schemeClr val="bg1"/>
+                </a:solidFill>
+                <a:effectLst/>
+                <a:latin typeface="Times New Roman" panose="02020603050405020304" pitchFamily="18" charset="0"/>
+                <a:ea typeface="Times New Roman" panose="02020603050405020304" pitchFamily="18" charset="0"/>
+              </a:rPr>
+              <a:t>Securityadmin</a:t>
+            </a:r>
+            <a:endParaRPr lang="en-US" sz="2400" kern="50" dirty="0">
+              <a:solidFill>
+                <a:schemeClr val="bg1"/>
+              </a:solidFill>
+              <a:effectLst/>
+              <a:latin typeface="Times New Roman" panose="02020603050405020304" pitchFamily="18" charset="0"/>
+              <a:ea typeface="Times New Roman" panose="02020603050405020304" pitchFamily="18" charset="0"/>
+              <a:cs typeface="Times New Roman" panose="02020603050405020304" pitchFamily="18" charset="0"/>
+            </a:endParaRPr>
+          </a:p>
+          <a:p>
+            <a:pPr>
+              <a:lnSpc>
+                <a:spcPct val="100000"/>
+              </a:lnSpc>
+            </a:pPr>
+            <a:r>
+              <a:rPr lang="ru-RU" sz="2400" kern="50" dirty="0" err="1">
+                <a:solidFill>
+                  <a:schemeClr val="bg1"/>
+                </a:solidFill>
+                <a:effectLst/>
+                <a:latin typeface="Times New Roman" panose="02020603050405020304" pitchFamily="18" charset="0"/>
+                <a:ea typeface="Times New Roman" panose="02020603050405020304" pitchFamily="18" charset="0"/>
+              </a:rPr>
+              <a:t>Processadmin</a:t>
+            </a:r>
+            <a:endParaRPr lang="en-US" sz="2400" kern="50" dirty="0">
+              <a:solidFill>
+                <a:schemeClr val="bg1"/>
+              </a:solidFill>
+              <a:effectLst/>
+              <a:latin typeface="Times New Roman" panose="02020603050405020304" pitchFamily="18" charset="0"/>
+              <a:ea typeface="Times New Roman" panose="02020603050405020304" pitchFamily="18" charset="0"/>
+            </a:endParaRPr>
+          </a:p>
+          <a:p>
+            <a:pPr>
+              <a:lnSpc>
+                <a:spcPct val="100000"/>
+              </a:lnSpc>
+            </a:pPr>
+            <a:r>
+              <a:rPr lang="ru-RU" sz="2400" kern="50" dirty="0" err="1">
+                <a:solidFill>
+                  <a:schemeClr val="bg1"/>
+                </a:solidFill>
+                <a:effectLst/>
+                <a:latin typeface="Times New Roman" panose="02020603050405020304" pitchFamily="18" charset="0"/>
+                <a:ea typeface="Times New Roman" panose="02020603050405020304" pitchFamily="18" charset="0"/>
+              </a:rPr>
+              <a:t>Setupadmin</a:t>
+            </a:r>
+            <a:endParaRPr lang="en-US" sz="2400" kern="50" dirty="0">
+              <a:solidFill>
+                <a:schemeClr val="bg1"/>
+              </a:solidFill>
+              <a:latin typeface="Times New Roman" panose="02020603050405020304" pitchFamily="18" charset="0"/>
+              <a:ea typeface="Times New Roman" panose="02020603050405020304" pitchFamily="18" charset="0"/>
+            </a:endParaRPr>
+          </a:p>
+          <a:p>
+            <a:pPr>
+              <a:lnSpc>
+                <a:spcPct val="100000"/>
+              </a:lnSpc>
+            </a:pPr>
+            <a:r>
+              <a:rPr lang="ru-RU" sz="2400" kern="50" dirty="0" err="1">
+                <a:solidFill>
+                  <a:schemeClr val="bg1"/>
+                </a:solidFill>
+                <a:effectLst/>
+                <a:latin typeface="Times New Roman" panose="02020603050405020304" pitchFamily="18" charset="0"/>
+                <a:ea typeface="Times New Roman" panose="02020603050405020304" pitchFamily="18" charset="0"/>
+              </a:rPr>
+              <a:t>Bulkadmin</a:t>
+            </a:r>
+            <a:endParaRPr lang="en-US" sz="2400" kern="50" dirty="0">
+              <a:solidFill>
+                <a:schemeClr val="bg1"/>
+              </a:solidFill>
+              <a:effectLst/>
+              <a:latin typeface="Times New Roman" panose="02020603050405020304" pitchFamily="18" charset="0"/>
+              <a:ea typeface="Times New Roman" panose="02020603050405020304" pitchFamily="18" charset="0"/>
+            </a:endParaRPr>
+          </a:p>
+          <a:p>
+            <a:pPr>
+              <a:lnSpc>
+                <a:spcPct val="100000"/>
+              </a:lnSpc>
+            </a:pPr>
+            <a:r>
+              <a:rPr lang="ru-RU" sz="2400" kern="50" dirty="0" err="1">
+                <a:solidFill>
+                  <a:schemeClr val="bg1"/>
+                </a:solidFill>
+                <a:effectLst/>
+                <a:latin typeface="Times New Roman" panose="02020603050405020304" pitchFamily="18" charset="0"/>
+                <a:ea typeface="Times New Roman" panose="02020603050405020304" pitchFamily="18" charset="0"/>
+              </a:rPr>
+              <a:t>Diskadmin</a:t>
+            </a:r>
+            <a:endParaRPr lang="en-US" sz="2400" kern="50" dirty="0">
+              <a:solidFill>
+                <a:schemeClr val="bg1"/>
+              </a:solidFill>
+              <a:effectLst/>
+              <a:latin typeface="Times New Roman" panose="02020603050405020304" pitchFamily="18" charset="0"/>
+              <a:ea typeface="Times New Roman" panose="02020603050405020304" pitchFamily="18" charset="0"/>
+            </a:endParaRPr>
+          </a:p>
+          <a:p>
+            <a:pPr>
+              <a:lnSpc>
+                <a:spcPct val="100000"/>
+              </a:lnSpc>
+            </a:pPr>
+            <a:r>
+              <a:rPr lang="ru-RU" sz="2400" kern="50" dirty="0" err="1">
+                <a:solidFill>
+                  <a:schemeClr val="bg1"/>
+                </a:solidFill>
+                <a:effectLst/>
+                <a:latin typeface="Times New Roman" panose="02020603050405020304" pitchFamily="18" charset="0"/>
+                <a:ea typeface="Times New Roman" panose="02020603050405020304" pitchFamily="18" charset="0"/>
+              </a:rPr>
+              <a:t>Dbcreator</a:t>
+            </a:r>
+            <a:endParaRPr lang="en-US" sz="2400" kern="50" dirty="0">
+              <a:solidFill>
+                <a:schemeClr val="bg1"/>
+              </a:solidFill>
+              <a:latin typeface="Times New Roman" panose="02020603050405020304" pitchFamily="18" charset="0"/>
+              <a:ea typeface="Times New Roman" panose="02020603050405020304" pitchFamily="18" charset="0"/>
+            </a:endParaRPr>
+          </a:p>
+          <a:p>
+            <a:pPr>
+              <a:lnSpc>
+                <a:spcPct val="100000"/>
+              </a:lnSpc>
+            </a:pPr>
+            <a:r>
+              <a:rPr lang="ru-RU" sz="2400" kern="50" dirty="0">
+                <a:solidFill>
+                  <a:schemeClr val="bg1"/>
+                </a:solidFill>
+                <a:effectLst/>
+                <a:latin typeface="Times New Roman" panose="02020603050405020304" pitchFamily="18" charset="0"/>
+                <a:ea typeface="Times New Roman" panose="02020603050405020304" pitchFamily="18" charset="0"/>
+              </a:rPr>
+              <a:t>Public</a:t>
+            </a:r>
+            <a:r>
+              <a:rPr lang="ru-RU" sz="2400" kern="50" dirty="0">
+                <a:solidFill>
+                  <a:schemeClr val="bg1"/>
+                </a:solidFill>
+                <a:effectLst/>
+                <a:latin typeface="Arial" panose="020B0604020202020204" pitchFamily="34" charset="0"/>
+                <a:ea typeface="SimSun" panose="02010600030101010101" pitchFamily="2" charset="-122"/>
+                <a:cs typeface="Mangal" panose="02040503050203030202" pitchFamily="18" charset="0"/>
+              </a:rPr>
+              <a:t> </a:t>
+            </a:r>
+            <a:endParaRPr lang="ru-RU" sz="2400" dirty="0">
+              <a:solidFill>
+                <a:schemeClr val="bg1"/>
+              </a:solidFill>
+              <a:latin typeface="Times New Roman" panose="02020603050405020304" pitchFamily="18" charset="0"/>
+              <a:cs typeface="Times New Roman" panose="02020603050405020304" pitchFamily="18" charset="0"/>
+            </a:endParaRPr>
+          </a:p>
+        </p:txBody>
+      </p:sp>
+      <p:sp>
+        <p:nvSpPr>
+          <p:cNvPr id="4" name="TextBox 3">
+            <a:extLst>
+              <a:ext uri="{FF2B5EF4-FFF2-40B4-BE49-F238E27FC236}">
+                <a16:creationId xmlns:a16="http://schemas.microsoft.com/office/drawing/2014/main" id="{4ABB9C49-9F35-4E4F-B965-43E8C64A19B9}"/>
+              </a:ext>
+            </a:extLst>
+          </p:cNvPr>
+          <p:cNvSpPr txBox="1"/>
           <p:nvPr/>
-        </p:nvPicPr>
-        <p:blipFill rotWithShape="1">
-          <a:blip r:embed="rId3"/>
-          <a:srcRect l="24906"/>
-          <a:stretch/>
-        </p:blipFill>
-        <p:spPr bwMode="auto">
-          <a:xfrm>
-            <a:off x="2336017" y="1642825"/>
-            <a:ext cx="1662338" cy="1932859"/>
-          </a:xfrm>
-          <a:prstGeom prst="rect">
-            <a:avLst/>
-          </a:prstGeom>
-          <a:ln w="38100" cap="sq">
-            <a:solidFill>
-              <a:srgbClr val="000000"/>
-            </a:solidFill>
-            <a:prstDash val="solid"/>
-            <a:miter lim="800000"/>
-          </a:ln>
-          <a:effectLst>
-            <a:outerShdw blurRad="50800" dist="38100" dir="2700000" algn="tl" rotWithShape="0">
-              <a:srgbClr val="000000">
-                <a:alpha val="43000"/>
-              </a:srgbClr>
-            </a:outerShdw>
-          </a:effectLst>
-          <a:extLst>
-            <a:ext uri="{53640926-AAD7-44D8-BBD7-CCE9431645EC}">
-              <a14:shadowObscured xmlns:a14="http://schemas.microsoft.com/office/drawing/2010/main"/>
-            </a:ext>
-          </a:extLst>
-        </p:spPr>
-      </p:pic>
-      <p:pic>
-        <p:nvPicPr>
-          <p:cNvPr id="6" name="Изображение 4">
-            <a:extLst>
-              <a:ext uri="{FF2B5EF4-FFF2-40B4-BE49-F238E27FC236}">
-                <a16:creationId xmlns:a16="http://schemas.microsoft.com/office/drawing/2014/main" id="{25FE1116-BB52-4303-A2A5-FC0468770FCB}"/>
-              </a:ext>
-            </a:extLst>
-          </p:cNvPr>
-          <p:cNvPicPr/>
-          <p:nvPr/>
-        </p:nvPicPr>
-        <p:blipFill rotWithShape="1">
-          <a:blip r:embed="rId4"/>
-          <a:srcRect l="27359" t="33846" r="25121" b="39937"/>
-          <a:stretch/>
-        </p:blipFill>
-        <p:spPr bwMode="auto">
-          <a:xfrm>
-            <a:off x="4275711" y="1914381"/>
-            <a:ext cx="2237714" cy="1389747"/>
-          </a:xfrm>
-          <a:prstGeom prst="rect">
-            <a:avLst/>
-          </a:prstGeom>
-          <a:ln w="38100" cap="sq">
-            <a:solidFill>
-              <a:srgbClr val="000000"/>
-            </a:solidFill>
-            <a:prstDash val="solid"/>
-            <a:miter lim="800000"/>
-          </a:ln>
-          <a:effectLst>
-            <a:outerShdw blurRad="50800" dist="38100" dir="2700000" algn="tl" rotWithShape="0">
-              <a:srgbClr val="000000">
-                <a:alpha val="43000"/>
-              </a:srgbClr>
-            </a:outerShdw>
-          </a:effectLst>
-          <a:extLst>
-            <a:ext uri="{53640926-AAD7-44D8-BBD7-CCE9431645EC}">
-              <a14:shadowObscured xmlns:a14="http://schemas.microsoft.com/office/drawing/2010/main"/>
-            </a:ext>
-          </a:extLst>
-        </p:spPr>
-      </p:pic>
-      <p:pic>
-        <p:nvPicPr>
-          <p:cNvPr id="7" name="Изображение 6">
-            <a:extLst>
-              <a:ext uri="{FF2B5EF4-FFF2-40B4-BE49-F238E27FC236}">
-                <a16:creationId xmlns:a16="http://schemas.microsoft.com/office/drawing/2014/main" id="{C96E2652-A2DB-4D1D-B5AD-7EB96AB5666A}"/>
-              </a:ext>
-            </a:extLst>
-          </p:cNvPr>
-          <p:cNvPicPr/>
-          <p:nvPr/>
-        </p:nvPicPr>
-        <p:blipFill>
-          <a:blip r:embed="rId5"/>
-          <a:stretch>
-            <a:fillRect/>
-          </a:stretch>
-        </p:blipFill>
+        </p:nvSpPr>
         <p:spPr>
           <a:xfrm>
-            <a:off x="6868649" y="1914381"/>
-            <a:ext cx="2432846" cy="1389746"/>
-          </a:xfrm>
-          <a:prstGeom prst="rect">
-            <a:avLst/>
-          </a:prstGeom>
-          <a:ln w="38100" cap="sq">
-            <a:solidFill>
-              <a:srgbClr val="000000"/>
-            </a:solidFill>
-            <a:prstDash val="solid"/>
-            <a:miter lim="800000"/>
-          </a:ln>
-          <a:effectLst>
-            <a:outerShdw blurRad="50800" dist="38100" dir="2700000" algn="tl" rotWithShape="0">
-              <a:srgbClr val="000000">
-                <a:alpha val="43000"/>
-              </a:srgbClr>
-            </a:outerShdw>
-          </a:effectLst>
-        </p:spPr>
-      </p:pic>
-      <p:pic>
-        <p:nvPicPr>
-          <p:cNvPr id="9" name="Рисунок 8">
-            <a:extLst>
-              <a:ext uri="{FF2B5EF4-FFF2-40B4-BE49-F238E27FC236}">
-                <a16:creationId xmlns:a16="http://schemas.microsoft.com/office/drawing/2014/main" id="{6DD86003-C5A0-42CA-B25E-369C57F3115E}"/>
-              </a:ext>
-            </a:extLst>
-          </p:cNvPr>
-          <p:cNvPicPr>
-            <a:picLocks noChangeAspect="1"/>
-          </p:cNvPicPr>
-          <p:nvPr/>
-        </p:nvPicPr>
-        <p:blipFill>
-          <a:blip r:embed="rId6"/>
-          <a:stretch>
-            <a:fillRect/>
-          </a:stretch>
-        </p:blipFill>
-        <p:spPr>
-          <a:xfrm>
-            <a:off x="9727232" y="1690688"/>
-            <a:ext cx="1849980" cy="2172651"/>
-          </a:xfrm>
-          <a:prstGeom prst="rect">
-            <a:avLst/>
-          </a:prstGeom>
-          <a:ln w="38100" cap="sq">
-            <a:solidFill>
-              <a:srgbClr val="000000"/>
-            </a:solidFill>
-            <a:prstDash val="solid"/>
-            <a:miter lim="800000"/>
-          </a:ln>
-          <a:effectLst>
-            <a:outerShdw blurRad="50800" dist="38100" dir="2700000" algn="tl" rotWithShape="0">
-              <a:srgbClr val="000000">
-                <a:alpha val="43000"/>
-              </a:srgbClr>
-            </a:outerShdw>
-          </a:effectLst>
-        </p:spPr>
-      </p:pic>
-      <p:sp>
-        <p:nvSpPr>
-          <p:cNvPr id="10" name="TextBox 9">
-            <a:extLst>
-              <a:ext uri="{FF2B5EF4-FFF2-40B4-BE49-F238E27FC236}">
-                <a16:creationId xmlns:a16="http://schemas.microsoft.com/office/drawing/2014/main" id="{87A78A7B-CBDA-4F11-93B5-97DD68829AEA}"/>
-              </a:ext>
-            </a:extLst>
-          </p:cNvPr>
-          <p:cNvSpPr txBox="1"/>
-          <p:nvPr/>
-        </p:nvSpPr>
-        <p:spPr>
-          <a:xfrm>
-            <a:off x="262625" y="4330164"/>
-            <a:ext cx="1989550" cy="523220"/>
+            <a:off x="7781367" y="933464"/>
+            <a:ext cx="3998259" cy="5565947"/>
           </a:xfrm>
           <a:prstGeom prst="rect">
             <a:avLst/>
@@ -4078,477 +4144,292 @@
           </a:bodyPr>
           <a:lstStyle/>
           <a:p>
-            <a:r>
-              <a:rPr lang="en-US" sz="2800" dirty="0">
+            <a:pPr>
+              <a:lnSpc>
+                <a:spcPct val="150000"/>
+              </a:lnSpc>
+            </a:pPr>
+            <a:r>
+              <a:rPr lang="ru-RU" sz="2400" kern="50" dirty="0">
+                <a:solidFill>
+                  <a:schemeClr val="bg1"/>
+                </a:solidFill>
+                <a:latin typeface="Times New Roman" panose="02020603050405020304" pitchFamily="18" charset="0"/>
+                <a:ea typeface="Times New Roman" panose="02020603050405020304" pitchFamily="18" charset="0"/>
+              </a:rPr>
+              <a:t>Р</a:t>
+            </a:r>
+            <a:r>
+              <a:rPr lang="ru-RU" sz="2400" kern="50" dirty="0">
+                <a:solidFill>
+                  <a:schemeClr val="bg1"/>
+                </a:solidFill>
+                <a:effectLst/>
+                <a:latin typeface="Times New Roman" panose="02020603050405020304" pitchFamily="18" charset="0"/>
+                <a:ea typeface="Times New Roman" panose="02020603050405020304" pitchFamily="18" charset="0"/>
+              </a:rPr>
+              <a:t>оли базы данных</a:t>
+            </a:r>
+            <a:endParaRPr lang="en-US" sz="2400" kern="50" dirty="0">
+              <a:solidFill>
+                <a:schemeClr val="bg1"/>
+              </a:solidFill>
+              <a:effectLst/>
+              <a:latin typeface="Times New Roman" panose="02020603050405020304" pitchFamily="18" charset="0"/>
+              <a:ea typeface="Times New Roman" panose="02020603050405020304" pitchFamily="18" charset="0"/>
+            </a:endParaRPr>
+          </a:p>
+          <a:p>
+            <a:pPr marL="285750" indent="-285750">
+              <a:lnSpc>
+                <a:spcPct val="150000"/>
+              </a:lnSpc>
+              <a:buFont typeface="Arial" panose="020B0604020202020204" pitchFamily="34" charset="0"/>
+              <a:buChar char="•"/>
+            </a:pPr>
+            <a:r>
+              <a:rPr lang="ru-RU" sz="2400" kern="50" dirty="0" err="1">
+                <a:solidFill>
+                  <a:schemeClr val="bg1"/>
+                </a:solidFill>
+                <a:effectLst/>
+                <a:latin typeface="Times New Roman" panose="02020603050405020304" pitchFamily="18" charset="0"/>
+                <a:ea typeface="Times New Roman" panose="02020603050405020304" pitchFamily="18" charset="0"/>
+              </a:rPr>
+              <a:t>Db_</a:t>
+            </a:r>
+            <a:r>
+              <a:rPr lang="ru-RU" sz="2400" dirty="0" err="1">
                 <a:solidFill>
                   <a:schemeClr val="bg1"/>
                 </a:solidFill>
                 <a:latin typeface="Times New Roman" panose="02020603050405020304" pitchFamily="18" charset="0"/>
                 <a:cs typeface="Times New Roman" panose="02020603050405020304" pitchFamily="18" charset="0"/>
               </a:rPr>
-              <a:t>1 </a:t>
-            </a:r>
-            <a:r>
-              <a:rPr lang="ru-RU" sz="2800" dirty="0">
+              <a:t>owner</a:t>
+            </a:r>
+            <a:endParaRPr lang="en-US" sz="2400" dirty="0">
+              <a:solidFill>
+                <a:schemeClr val="bg1"/>
+              </a:solidFill>
+              <a:latin typeface="Times New Roman" panose="02020603050405020304" pitchFamily="18" charset="0"/>
+              <a:cs typeface="Times New Roman" panose="02020603050405020304" pitchFamily="18" charset="0"/>
+            </a:endParaRPr>
+          </a:p>
+          <a:p>
+            <a:pPr marL="285750" indent="-285750">
+              <a:lnSpc>
+                <a:spcPct val="150000"/>
+              </a:lnSpc>
+              <a:buFont typeface="Arial" panose="020B0604020202020204" pitchFamily="34" charset="0"/>
+              <a:buChar char="•"/>
+            </a:pPr>
+            <a:r>
+              <a:rPr lang="ru-RU" sz="2400" dirty="0" err="1">
                 <a:solidFill>
                   <a:schemeClr val="bg1"/>
                 </a:solidFill>
                 <a:latin typeface="Times New Roman" panose="02020603050405020304" pitchFamily="18" charset="0"/>
                 <a:cs typeface="Times New Roman" panose="02020603050405020304" pitchFamily="18" charset="0"/>
               </a:rPr>
-              <a:t>Действие</a:t>
-            </a:r>
-          </a:p>
-        </p:txBody>
-      </p:sp>
-      <p:sp>
-        <p:nvSpPr>
-          <p:cNvPr id="15" name="TextBox 14">
-            <a:extLst>
-              <a:ext uri="{FF2B5EF4-FFF2-40B4-BE49-F238E27FC236}">
-                <a16:creationId xmlns:a16="http://schemas.microsoft.com/office/drawing/2014/main" id="{26173AEA-3706-43C3-A04C-79316E889AB8}"/>
-              </a:ext>
-            </a:extLst>
-          </p:cNvPr>
-          <p:cNvSpPr txBox="1"/>
-          <p:nvPr/>
-        </p:nvSpPr>
-        <p:spPr>
-          <a:xfrm>
-            <a:off x="2252175" y="4330164"/>
-            <a:ext cx="1989550" cy="523220"/>
-          </a:xfrm>
-          <a:prstGeom prst="rect">
-            <a:avLst/>
-          </a:prstGeom>
-          <a:noFill/>
-        </p:spPr>
-        <p:txBody>
-          <a:bodyPr wrap="square" rtlCol="0">
-            <a:spAutoFit/>
-          </a:bodyPr>
-          <a:lstStyle/>
-          <a:p>
-            <a:r>
-              <a:rPr lang="ru-RU" sz="2800" dirty="0">
+              <a:t>Db_securityadmin</a:t>
+            </a:r>
+            <a:endParaRPr lang="en-US" sz="2400" dirty="0">
+              <a:solidFill>
+                <a:schemeClr val="bg1"/>
+              </a:solidFill>
+              <a:latin typeface="Times New Roman" panose="02020603050405020304" pitchFamily="18" charset="0"/>
+              <a:cs typeface="Times New Roman" panose="02020603050405020304" pitchFamily="18" charset="0"/>
+            </a:endParaRPr>
+          </a:p>
+          <a:p>
+            <a:pPr marL="285750" indent="-285750">
+              <a:lnSpc>
+                <a:spcPct val="150000"/>
+              </a:lnSpc>
+              <a:buFont typeface="Arial" panose="020B0604020202020204" pitchFamily="34" charset="0"/>
+              <a:buChar char="•"/>
+            </a:pPr>
+            <a:r>
+              <a:rPr lang="ru-RU" sz="2400" dirty="0" err="1">
                 <a:solidFill>
                   <a:schemeClr val="bg1"/>
                 </a:solidFill>
                 <a:latin typeface="Times New Roman" panose="02020603050405020304" pitchFamily="18" charset="0"/>
                 <a:cs typeface="Times New Roman" panose="02020603050405020304" pitchFamily="18" charset="0"/>
               </a:rPr>
-              <a:t>2 Действие</a:t>
-            </a:r>
-          </a:p>
-        </p:txBody>
-      </p:sp>
-      <p:sp>
-        <p:nvSpPr>
-          <p:cNvPr id="16" name="TextBox 15">
-            <a:extLst>
-              <a:ext uri="{FF2B5EF4-FFF2-40B4-BE49-F238E27FC236}">
-                <a16:creationId xmlns:a16="http://schemas.microsoft.com/office/drawing/2014/main" id="{799401AC-E2C2-4DD2-9D1B-EF52C8F8C44B}"/>
-              </a:ext>
-            </a:extLst>
-          </p:cNvPr>
-          <p:cNvSpPr txBox="1"/>
-          <p:nvPr/>
-        </p:nvSpPr>
-        <p:spPr>
-          <a:xfrm>
-            <a:off x="4399793" y="4330164"/>
-            <a:ext cx="1989550" cy="523220"/>
-          </a:xfrm>
-          <a:prstGeom prst="rect">
-            <a:avLst/>
-          </a:prstGeom>
-          <a:noFill/>
-        </p:spPr>
-        <p:txBody>
-          <a:bodyPr wrap="square" rtlCol="0">
-            <a:spAutoFit/>
-          </a:bodyPr>
-          <a:lstStyle/>
-          <a:p>
-            <a:r>
-              <a:rPr lang="ru-RU" sz="2800" dirty="0">
+              <a:t>Db_accessadmin</a:t>
+            </a:r>
+            <a:endParaRPr lang="en-US" sz="2400" dirty="0">
+              <a:solidFill>
+                <a:schemeClr val="bg1"/>
+              </a:solidFill>
+              <a:latin typeface="Times New Roman" panose="02020603050405020304" pitchFamily="18" charset="0"/>
+              <a:cs typeface="Times New Roman" panose="02020603050405020304" pitchFamily="18" charset="0"/>
+            </a:endParaRPr>
+          </a:p>
+          <a:p>
+            <a:pPr marL="285750" indent="-285750">
+              <a:lnSpc>
+                <a:spcPct val="150000"/>
+              </a:lnSpc>
+              <a:buFont typeface="Arial" panose="020B0604020202020204" pitchFamily="34" charset="0"/>
+              <a:buChar char="•"/>
+            </a:pPr>
+            <a:r>
+              <a:rPr lang="ru-RU" sz="2400" dirty="0" err="1">
                 <a:solidFill>
                   <a:schemeClr val="bg1"/>
                 </a:solidFill>
                 <a:latin typeface="Times New Roman" panose="02020603050405020304" pitchFamily="18" charset="0"/>
                 <a:cs typeface="Times New Roman" panose="02020603050405020304" pitchFamily="18" charset="0"/>
               </a:rPr>
-              <a:t>3</a:t>
-            </a:r>
-            <a:r>
-              <a:rPr lang="en-US" sz="2800" dirty="0">
+              <a:t>Db_backupoperator</a:t>
+            </a:r>
+            <a:endParaRPr lang="en-US" sz="2400" dirty="0">
+              <a:solidFill>
+                <a:schemeClr val="bg1"/>
+              </a:solidFill>
+              <a:latin typeface="Times New Roman" panose="02020603050405020304" pitchFamily="18" charset="0"/>
+              <a:cs typeface="Times New Roman" panose="02020603050405020304" pitchFamily="18" charset="0"/>
+            </a:endParaRPr>
+          </a:p>
+          <a:p>
+            <a:pPr marL="285750" indent="-285750">
+              <a:lnSpc>
+                <a:spcPct val="150000"/>
+              </a:lnSpc>
+              <a:buFont typeface="Arial" panose="020B0604020202020204" pitchFamily="34" charset="0"/>
+              <a:buChar char="•"/>
+            </a:pPr>
+            <a:r>
+              <a:rPr lang="ru-RU" sz="2400" dirty="0" err="1">
                 <a:solidFill>
                   <a:schemeClr val="bg1"/>
                 </a:solidFill>
                 <a:latin typeface="Times New Roman" panose="02020603050405020304" pitchFamily="18" charset="0"/>
                 <a:cs typeface="Times New Roman" panose="02020603050405020304" pitchFamily="18" charset="0"/>
               </a:rPr>
-              <a:t> </a:t>
-            </a:r>
-            <a:r>
-              <a:rPr lang="ru-RU" sz="2800" dirty="0">
+              <a:t>Db_ddladmin</a:t>
+            </a:r>
+            <a:endParaRPr lang="en-US" sz="2400" dirty="0">
+              <a:solidFill>
+                <a:schemeClr val="bg1"/>
+              </a:solidFill>
+              <a:latin typeface="Times New Roman" panose="02020603050405020304" pitchFamily="18" charset="0"/>
+              <a:cs typeface="Times New Roman" panose="02020603050405020304" pitchFamily="18" charset="0"/>
+            </a:endParaRPr>
+          </a:p>
+          <a:p>
+            <a:pPr marL="285750" indent="-285750">
+              <a:lnSpc>
+                <a:spcPct val="150000"/>
+              </a:lnSpc>
+              <a:buFont typeface="Arial" panose="020B0604020202020204" pitchFamily="34" charset="0"/>
+              <a:buChar char="•"/>
+            </a:pPr>
+            <a:r>
+              <a:rPr lang="ru-RU" sz="2400" dirty="0" err="1">
                 <a:solidFill>
                   <a:schemeClr val="bg1"/>
                 </a:solidFill>
                 <a:latin typeface="Times New Roman" panose="02020603050405020304" pitchFamily="18" charset="0"/>
                 <a:cs typeface="Times New Roman" panose="02020603050405020304" pitchFamily="18" charset="0"/>
               </a:rPr>
-              <a:t>Действие</a:t>
-            </a:r>
-          </a:p>
-        </p:txBody>
-      </p:sp>
-      <p:sp>
-        <p:nvSpPr>
-          <p:cNvPr id="17" name="TextBox 16">
-            <a:extLst>
-              <a:ext uri="{FF2B5EF4-FFF2-40B4-BE49-F238E27FC236}">
-                <a16:creationId xmlns:a16="http://schemas.microsoft.com/office/drawing/2014/main" id="{F37D5B98-AFD3-47BF-BE30-31CA1F2F93DC}"/>
-              </a:ext>
-            </a:extLst>
-          </p:cNvPr>
-          <p:cNvSpPr txBox="1"/>
-          <p:nvPr/>
-        </p:nvSpPr>
-        <p:spPr>
-          <a:xfrm>
-            <a:off x="7090297" y="4283121"/>
-            <a:ext cx="1989550" cy="523220"/>
-          </a:xfrm>
-          <a:prstGeom prst="rect">
-            <a:avLst/>
-          </a:prstGeom>
-          <a:noFill/>
-        </p:spPr>
-        <p:txBody>
-          <a:bodyPr wrap="square" rtlCol="0">
-            <a:spAutoFit/>
-          </a:bodyPr>
-          <a:lstStyle/>
-          <a:p>
-            <a:r>
-              <a:rPr lang="ru-RU" sz="2800" dirty="0">
+              <a:t>Db_datawriter</a:t>
+            </a:r>
+            <a:endParaRPr lang="en-US" sz="2400" dirty="0">
+              <a:solidFill>
+                <a:schemeClr val="bg1"/>
+              </a:solidFill>
+              <a:latin typeface="Times New Roman" panose="02020603050405020304" pitchFamily="18" charset="0"/>
+              <a:cs typeface="Times New Roman" panose="02020603050405020304" pitchFamily="18" charset="0"/>
+            </a:endParaRPr>
+          </a:p>
+          <a:p>
+            <a:pPr marL="285750" indent="-285750">
+              <a:lnSpc>
+                <a:spcPct val="150000"/>
+              </a:lnSpc>
+              <a:buFont typeface="Arial" panose="020B0604020202020204" pitchFamily="34" charset="0"/>
+              <a:buChar char="•"/>
+            </a:pPr>
+            <a:r>
+              <a:rPr lang="ru-RU" sz="2400" dirty="0" err="1">
                 <a:solidFill>
                   <a:schemeClr val="bg1"/>
                 </a:solidFill>
                 <a:latin typeface="Times New Roman" panose="02020603050405020304" pitchFamily="18" charset="0"/>
                 <a:cs typeface="Times New Roman" panose="02020603050405020304" pitchFamily="18" charset="0"/>
               </a:rPr>
-              <a:t>4</a:t>
-            </a:r>
-            <a:r>
-              <a:rPr lang="en-US" sz="2800" dirty="0">
+              <a:t>Db_datareader</a:t>
+            </a:r>
+            <a:endParaRPr lang="en-US" sz="2400" dirty="0">
+              <a:solidFill>
+                <a:schemeClr val="bg1"/>
+              </a:solidFill>
+              <a:latin typeface="Times New Roman" panose="02020603050405020304" pitchFamily="18" charset="0"/>
+              <a:cs typeface="Times New Roman" panose="02020603050405020304" pitchFamily="18" charset="0"/>
+            </a:endParaRPr>
+          </a:p>
+          <a:p>
+            <a:pPr marL="285750" indent="-285750">
+              <a:lnSpc>
+                <a:spcPct val="150000"/>
+              </a:lnSpc>
+              <a:buFont typeface="Arial" panose="020B0604020202020204" pitchFamily="34" charset="0"/>
+              <a:buChar char="•"/>
+            </a:pPr>
+            <a:r>
+              <a:rPr lang="ru-RU" sz="2400" dirty="0" err="1">
                 <a:solidFill>
                   <a:schemeClr val="bg1"/>
                 </a:solidFill>
                 <a:latin typeface="Times New Roman" panose="02020603050405020304" pitchFamily="18" charset="0"/>
                 <a:cs typeface="Times New Roman" panose="02020603050405020304" pitchFamily="18" charset="0"/>
               </a:rPr>
-              <a:t> </a:t>
-            </a:r>
-            <a:r>
-              <a:rPr lang="ru-RU" sz="2800" dirty="0">
+              <a:t>Db_denydatawriter</a:t>
+            </a:r>
+            <a:endParaRPr lang="en-US" sz="2400" dirty="0">
+              <a:solidFill>
+                <a:schemeClr val="bg1"/>
+              </a:solidFill>
+              <a:latin typeface="Times New Roman" panose="02020603050405020304" pitchFamily="18" charset="0"/>
+              <a:cs typeface="Times New Roman" panose="02020603050405020304" pitchFamily="18" charset="0"/>
+            </a:endParaRPr>
+          </a:p>
+          <a:p>
+            <a:pPr marL="285750" indent="-285750">
+              <a:lnSpc>
+                <a:spcPct val="150000"/>
+              </a:lnSpc>
+              <a:buFont typeface="Arial" panose="020B0604020202020204" pitchFamily="34" charset="0"/>
+              <a:buChar char="•"/>
+            </a:pPr>
+            <a:r>
+              <a:rPr lang="ru-RU" sz="2400" dirty="0" err="1">
                 <a:solidFill>
                   <a:schemeClr val="bg1"/>
                 </a:solidFill>
                 <a:latin typeface="Times New Roman" panose="02020603050405020304" pitchFamily="18" charset="0"/>
                 <a:cs typeface="Times New Roman" panose="02020603050405020304" pitchFamily="18" charset="0"/>
               </a:rPr>
-              <a:t>Действие</a:t>
-            </a:r>
-          </a:p>
-        </p:txBody>
-      </p:sp>
-      <p:sp>
-        <p:nvSpPr>
-          <p:cNvPr id="18" name="TextBox 17">
-            <a:extLst>
-              <a:ext uri="{FF2B5EF4-FFF2-40B4-BE49-F238E27FC236}">
-                <a16:creationId xmlns:a16="http://schemas.microsoft.com/office/drawing/2014/main" id="{B8878F0F-C910-49B6-8BA9-B16205699F61}"/>
-              </a:ext>
-            </a:extLst>
-          </p:cNvPr>
-          <p:cNvSpPr txBox="1"/>
-          <p:nvPr/>
-        </p:nvSpPr>
-        <p:spPr>
-          <a:xfrm>
-            <a:off x="9560958" y="4283121"/>
-            <a:ext cx="1989550" cy="523220"/>
-          </a:xfrm>
-          <a:prstGeom prst="rect">
-            <a:avLst/>
-          </a:prstGeom>
-          <a:noFill/>
-        </p:spPr>
-        <p:txBody>
-          <a:bodyPr wrap="square" rtlCol="0">
-            <a:spAutoFit/>
-          </a:bodyPr>
-          <a:lstStyle/>
-          <a:p>
-            <a:r>
-              <a:rPr lang="ru-RU" sz="2800" dirty="0">
-                <a:solidFill>
-                  <a:schemeClr val="bg1"/>
-                </a:solidFill>
-                <a:latin typeface="Times New Roman" panose="02020603050405020304" pitchFamily="18" charset="0"/>
-                <a:cs typeface="Times New Roman" panose="02020603050405020304" pitchFamily="18" charset="0"/>
-              </a:rPr>
-              <a:t>5</a:t>
-            </a:r>
-            <a:r>
-              <a:rPr lang="en-US" sz="2800" dirty="0">
-                <a:solidFill>
-                  <a:schemeClr val="bg1"/>
-                </a:solidFill>
-                <a:latin typeface="Times New Roman" panose="02020603050405020304" pitchFamily="18" charset="0"/>
-                <a:cs typeface="Times New Roman" panose="02020603050405020304" pitchFamily="18" charset="0"/>
-              </a:rPr>
-              <a:t> </a:t>
-            </a:r>
-            <a:r>
-              <a:rPr lang="ru-RU" sz="2800" dirty="0">
-                <a:solidFill>
-                  <a:schemeClr val="bg1"/>
-                </a:solidFill>
-                <a:latin typeface="Times New Roman" panose="02020603050405020304" pitchFamily="18" charset="0"/>
-                <a:cs typeface="Times New Roman" panose="02020603050405020304" pitchFamily="18" charset="0"/>
-              </a:rPr>
-              <a:t>Действие</a:t>
-            </a:r>
-          </a:p>
-        </p:txBody>
-      </p:sp>
-      <p:sp>
-        <p:nvSpPr>
-          <p:cNvPr id="21" name="Стрелка: вправо 20">
-            <a:extLst>
-              <a:ext uri="{FF2B5EF4-FFF2-40B4-BE49-F238E27FC236}">
-                <a16:creationId xmlns:a16="http://schemas.microsoft.com/office/drawing/2014/main" id="{51C7BFEB-4AFD-4D2A-B6E7-8E7E9B145CA7}"/>
-              </a:ext>
-            </a:extLst>
-          </p:cNvPr>
-          <p:cNvSpPr/>
-          <p:nvPr/>
-        </p:nvSpPr>
-        <p:spPr>
-          <a:xfrm>
-            <a:off x="322729" y="5217459"/>
-            <a:ext cx="1559859" cy="304800"/>
-          </a:xfrm>
-          <a:prstGeom prst="rightArrow">
-            <a:avLst/>
-          </a:prstGeom>
-        </p:spPr>
-        <p:style>
-          <a:lnRef idx="1">
-            <a:schemeClr val="accent1"/>
-          </a:lnRef>
-          <a:fillRef idx="2">
-            <a:schemeClr val="accent1"/>
-          </a:fillRef>
-          <a:effectRef idx="1">
-            <a:schemeClr val="accent1"/>
-          </a:effectRef>
-          <a:fontRef idx="minor">
-            <a:schemeClr val="dk1"/>
-          </a:fontRef>
-        </p:style>
-        <p:txBody>
-          <a:bodyPr rtlCol="0" anchor="ctr"/>
-          <a:lstStyle/>
-          <a:p>
-            <a:pPr algn="ctr"/>
-            <a:endParaRPr lang="ru-RU"/>
-          </a:p>
-        </p:txBody>
-      </p:sp>
-      <p:sp>
-        <p:nvSpPr>
-          <p:cNvPr id="22" name="Стрелка: вправо 21">
-            <a:extLst>
-              <a:ext uri="{FF2B5EF4-FFF2-40B4-BE49-F238E27FC236}">
-                <a16:creationId xmlns:a16="http://schemas.microsoft.com/office/drawing/2014/main" id="{8CEBE8A3-5BFB-4A04-A4E0-4C3F9006F979}"/>
-              </a:ext>
-            </a:extLst>
-          </p:cNvPr>
-          <p:cNvSpPr/>
-          <p:nvPr/>
-        </p:nvSpPr>
-        <p:spPr>
-          <a:xfrm>
-            <a:off x="2387256" y="5217459"/>
-            <a:ext cx="1559859" cy="304800"/>
-          </a:xfrm>
-          <a:prstGeom prst="rightArrow">
-            <a:avLst/>
-          </a:prstGeom>
-        </p:spPr>
-        <p:style>
-          <a:lnRef idx="1">
-            <a:schemeClr val="accent1"/>
-          </a:lnRef>
-          <a:fillRef idx="2">
-            <a:schemeClr val="accent1"/>
-          </a:fillRef>
-          <a:effectRef idx="1">
-            <a:schemeClr val="accent1"/>
-          </a:effectRef>
-          <a:fontRef idx="minor">
-            <a:schemeClr val="dk1"/>
-          </a:fontRef>
-        </p:style>
-        <p:txBody>
-          <a:bodyPr rtlCol="0" anchor="ctr"/>
-          <a:lstStyle/>
-          <a:p>
-            <a:pPr algn="ctr"/>
-            <a:endParaRPr lang="ru-RU"/>
-          </a:p>
-        </p:txBody>
-      </p:sp>
-      <p:sp>
-        <p:nvSpPr>
-          <p:cNvPr id="23" name="Стрелка: вправо 22">
-            <a:extLst>
-              <a:ext uri="{FF2B5EF4-FFF2-40B4-BE49-F238E27FC236}">
-                <a16:creationId xmlns:a16="http://schemas.microsoft.com/office/drawing/2014/main" id="{B1AC5215-D520-4AA0-963A-0A6F9D7F505F}"/>
-              </a:ext>
-            </a:extLst>
-          </p:cNvPr>
-          <p:cNvSpPr/>
-          <p:nvPr/>
-        </p:nvSpPr>
-        <p:spPr>
-          <a:xfrm rot="19394233">
-            <a:off x="9707625" y="5141400"/>
-            <a:ext cx="1114433" cy="304800"/>
-          </a:xfrm>
-          <a:prstGeom prst="rightArrow">
-            <a:avLst/>
-          </a:prstGeom>
-        </p:spPr>
-        <p:style>
-          <a:lnRef idx="1">
-            <a:schemeClr val="accent1"/>
-          </a:lnRef>
-          <a:fillRef idx="2">
-            <a:schemeClr val="accent1"/>
-          </a:fillRef>
-          <a:effectRef idx="1">
-            <a:schemeClr val="accent1"/>
-          </a:effectRef>
-          <a:fontRef idx="minor">
-            <a:schemeClr val="dk1"/>
-          </a:fontRef>
-        </p:style>
-        <p:txBody>
-          <a:bodyPr rtlCol="0" anchor="ctr"/>
-          <a:lstStyle/>
-          <a:p>
-            <a:pPr algn="ctr"/>
-            <a:endParaRPr lang="ru-RU"/>
-          </a:p>
-        </p:txBody>
-      </p:sp>
-      <p:sp>
-        <p:nvSpPr>
-          <p:cNvPr id="24" name="Стрелка: вправо 23">
-            <a:extLst>
-              <a:ext uri="{FF2B5EF4-FFF2-40B4-BE49-F238E27FC236}">
-                <a16:creationId xmlns:a16="http://schemas.microsoft.com/office/drawing/2014/main" id="{3E30D1A7-5E6E-429A-9C4E-C014B544FCEF}"/>
-              </a:ext>
-            </a:extLst>
-          </p:cNvPr>
-          <p:cNvSpPr/>
-          <p:nvPr/>
-        </p:nvSpPr>
-        <p:spPr>
-          <a:xfrm>
-            <a:off x="7207623" y="5217459"/>
-            <a:ext cx="1559859" cy="304800"/>
-          </a:xfrm>
-          <a:prstGeom prst="rightArrow">
-            <a:avLst/>
-          </a:prstGeom>
-        </p:spPr>
-        <p:style>
-          <a:lnRef idx="1">
-            <a:schemeClr val="accent1"/>
-          </a:lnRef>
-          <a:fillRef idx="2">
-            <a:schemeClr val="accent1"/>
-          </a:fillRef>
-          <a:effectRef idx="1">
-            <a:schemeClr val="accent1"/>
-          </a:effectRef>
-          <a:fontRef idx="minor">
-            <a:schemeClr val="dk1"/>
-          </a:fontRef>
-        </p:style>
-        <p:txBody>
-          <a:bodyPr rtlCol="0" anchor="ctr"/>
-          <a:lstStyle/>
-          <a:p>
-            <a:pPr algn="ctr"/>
-            <a:endParaRPr lang="ru-RU"/>
-          </a:p>
-        </p:txBody>
-      </p:sp>
-      <p:sp>
-        <p:nvSpPr>
-          <p:cNvPr id="25" name="Стрелка: вправо 24">
-            <a:extLst>
-              <a:ext uri="{FF2B5EF4-FFF2-40B4-BE49-F238E27FC236}">
-                <a16:creationId xmlns:a16="http://schemas.microsoft.com/office/drawing/2014/main" id="{F93BE9B0-AA8A-4998-AB4D-3E2935720F3C}"/>
-              </a:ext>
-            </a:extLst>
-          </p:cNvPr>
-          <p:cNvSpPr/>
-          <p:nvPr/>
-        </p:nvSpPr>
-        <p:spPr>
-          <a:xfrm>
-            <a:off x="4716944" y="5217459"/>
-            <a:ext cx="1559859" cy="304800"/>
-          </a:xfrm>
-          <a:prstGeom prst="rightArrow">
-            <a:avLst/>
-          </a:prstGeom>
-        </p:spPr>
-        <p:style>
-          <a:lnRef idx="1">
-            <a:schemeClr val="accent1"/>
-          </a:lnRef>
-          <a:fillRef idx="2">
-            <a:schemeClr val="accent1"/>
-          </a:fillRef>
-          <a:effectRef idx="1">
-            <a:schemeClr val="accent1"/>
-          </a:effectRef>
-          <a:fontRef idx="minor">
-            <a:schemeClr val="dk1"/>
-          </a:fontRef>
-        </p:style>
-        <p:txBody>
-          <a:bodyPr rtlCol="0" anchor="ctr"/>
-          <a:lstStyle/>
-          <a:p>
-            <a:pPr algn="ctr"/>
-            <a:endParaRPr lang="ru-RU"/>
+              <a:t>Db_denydatareader</a:t>
+            </a:r>
+            <a:endParaRPr lang="ru-RU" sz="2400" dirty="0">
+              <a:solidFill>
+                <a:schemeClr val="bg1"/>
+              </a:solidFill>
+              <a:latin typeface="Times New Roman" panose="02020603050405020304" pitchFamily="18" charset="0"/>
+              <a:cs typeface="Times New Roman" panose="02020603050405020304" pitchFamily="18" charset="0"/>
+            </a:endParaRPr>
           </a:p>
         </p:txBody>
       </p:sp>
     </p:spTree>
     <p:extLst>
       <p:ext uri="{BB962C8B-B14F-4D97-AF65-F5344CB8AC3E}">
-        <p14:creationId xmlns:p14="http://schemas.microsoft.com/office/powerpoint/2010/main" val="1910954106"/>
+        <p14:creationId xmlns:p14="http://schemas.microsoft.com/office/powerpoint/2010/main" val="4037702880"/>
       </p:ext>
     </p:extLst>
   </p:cSld>
@@ -4580,7 +4461,7 @@
           <p:cNvPr id="2" name="Заголовок 1">
             <a:extLst>
               <a:ext uri="{FF2B5EF4-FFF2-40B4-BE49-F238E27FC236}">
-                <a16:creationId xmlns:a16="http://schemas.microsoft.com/office/drawing/2014/main" id="{DC871A82-55CB-475A-A1B9-E41FA806D127}"/>
+                <a16:creationId xmlns:a16="http://schemas.microsoft.com/office/drawing/2014/main" id="{F19391A7-E9DE-40F1-9BC2-55B7713E00CD}"/>
               </a:ext>
             </a:extLst>
           </p:cNvPr>
@@ -4591,22 +4472,25 @@
             <p:ph type="title"/>
           </p:nvPr>
         </p:nvSpPr>
-        <p:spPr/>
-        <p:txBody>
-          <a:bodyPr>
-            <a:normAutofit/>
-          </a:bodyPr>
-          <a:lstStyle/>
-          <a:p>
-            <a:r>
-              <a:rPr lang="ru-RU" sz="4000" dirty="0">
+        <p:spPr>
+          <a:xfrm>
+            <a:off x="838200" y="365125"/>
+            <a:ext cx="10515600" cy="1325563"/>
+          </a:xfrm>
+        </p:spPr>
+        <p:txBody>
+          <a:bodyPr/>
+          <a:lstStyle/>
+          <a:p>
+            <a:r>
+              <a:rPr lang="ru-RU" dirty="0">
                 <a:solidFill>
                   <a:schemeClr val="bg1"/>
                 </a:solidFill>
                 <a:latin typeface="Times New Roman" panose="02020603050405020304" pitchFamily="18" charset="0"/>
                 <a:cs typeface="Times New Roman" panose="02020603050405020304" pitchFamily="18" charset="0"/>
               </a:rPr>
-              <a:t>Разработка сценариев резервного копирования</a:t>
+              <a:t>Разграничение ролей в базе данных</a:t>
             </a:r>
           </a:p>
         </p:txBody>
@@ -4616,7 +4500,7 @@
           <p:cNvPr id="4" name="Рисунок 3">
             <a:extLst>
               <a:ext uri="{FF2B5EF4-FFF2-40B4-BE49-F238E27FC236}">
-                <a16:creationId xmlns:a16="http://schemas.microsoft.com/office/drawing/2014/main" id="{85F7C5B5-D943-4BFC-B82A-B8467F3B8B62}"/>
+                <a16:creationId xmlns:a16="http://schemas.microsoft.com/office/drawing/2014/main" id="{87C97FC7-CEC0-4BD1-963B-631E532E8F17}"/>
               </a:ext>
             </a:extLst>
           </p:cNvPr>
@@ -4631,8 +4515,8 @@
         </p:blipFill>
         <p:spPr>
           <a:xfrm>
-            <a:off x="338866" y="1782746"/>
-            <a:ext cx="2926080" cy="754380"/>
+            <a:off x="262625" y="1690688"/>
+            <a:ext cx="1849980" cy="1837133"/>
           </a:xfrm>
           <a:prstGeom prst="rect">
             <a:avLst/>
@@ -4655,26 +4539,25 @@
       </p:pic>
       <p:pic>
         <p:nvPicPr>
-          <p:cNvPr id="5" name="Рисунок 4">
-            <a:extLst>
-              <a:ext uri="{FF2B5EF4-FFF2-40B4-BE49-F238E27FC236}">
-                <a16:creationId xmlns:a16="http://schemas.microsoft.com/office/drawing/2014/main" id="{98CE54B6-721A-4B45-A4FD-7CBEA43191D6}"/>
+          <p:cNvPr id="5" name="Изображение 3">
+            <a:extLst>
+              <a:ext uri="{FF2B5EF4-FFF2-40B4-BE49-F238E27FC236}">
+                <a16:creationId xmlns:a16="http://schemas.microsoft.com/office/drawing/2014/main" id="{79254C3F-0C34-4F39-85E6-7DE1FD2122E2}"/>
               </a:ext>
             </a:extLst>
           </p:cNvPr>
           <p:cNvPicPr/>
           <p:nvPr/>
         </p:nvPicPr>
-        <p:blipFill>
+        <p:blipFill rotWithShape="1">
           <a:blip r:embed="rId3"/>
-          <a:stretch>
-            <a:fillRect/>
-          </a:stretch>
+          <a:srcRect l="24906"/>
+          <a:stretch/>
         </p:blipFill>
-        <p:spPr>
+        <p:spPr bwMode="auto">
           <a:xfrm>
-            <a:off x="338866" y="3392300"/>
-            <a:ext cx="3154680" cy="830580"/>
+            <a:off x="2336017" y="1642825"/>
+            <a:ext cx="1662338" cy="1932859"/>
           </a:xfrm>
           <a:prstGeom prst="rect">
             <a:avLst/>
@@ -4693,30 +4576,34 @@
               </a:srgbClr>
             </a:outerShdw>
           </a:effectLst>
+          <a:extLst>
+            <a:ext uri="{53640926-AAD7-44D8-BBD7-CCE9431645EC}">
+              <a14:shadowObscured xmlns:a14="http://schemas.microsoft.com/office/drawing/2010/main"/>
+            </a:ext>
+          </a:extLst>
         </p:spPr>
       </p:pic>
       <p:pic>
         <p:nvPicPr>
-          <p:cNvPr id="6" name="Рисунок 5">
-            <a:extLst>
-              <a:ext uri="{FF2B5EF4-FFF2-40B4-BE49-F238E27FC236}">
-                <a16:creationId xmlns:a16="http://schemas.microsoft.com/office/drawing/2014/main" id="{F2941E04-C47D-4A07-B07F-180F3BC19E4D}"/>
+          <p:cNvPr id="6" name="Изображение 4">
+            <a:extLst>
+              <a:ext uri="{FF2B5EF4-FFF2-40B4-BE49-F238E27FC236}">
+                <a16:creationId xmlns:a16="http://schemas.microsoft.com/office/drawing/2014/main" id="{25FE1116-BB52-4303-A2A5-FC0468770FCB}"/>
               </a:ext>
             </a:extLst>
           </p:cNvPr>
           <p:cNvPicPr/>
           <p:nvPr/>
         </p:nvPicPr>
-        <p:blipFill>
+        <p:blipFill rotWithShape="1">
           <a:blip r:embed="rId4"/>
-          <a:stretch>
-            <a:fillRect/>
-          </a:stretch>
+          <a:srcRect l="27359" t="33846" r="25121" b="39937"/>
+          <a:stretch/>
         </p:blipFill>
-        <p:spPr>
+        <p:spPr bwMode="auto">
           <a:xfrm>
-            <a:off x="338866" y="5069318"/>
-            <a:ext cx="3116580" cy="845820"/>
+            <a:off x="4275711" y="1914381"/>
+            <a:ext cx="2237714" cy="1389747"/>
           </a:xfrm>
           <a:prstGeom prst="rect">
             <a:avLst/>
@@ -4735,14 +4622,19 @@
               </a:srgbClr>
             </a:outerShdw>
           </a:effectLst>
+          <a:extLst>
+            <a:ext uri="{53640926-AAD7-44D8-BBD7-CCE9431645EC}">
+              <a14:shadowObscured xmlns:a14="http://schemas.microsoft.com/office/drawing/2010/main"/>
+            </a:ext>
+          </a:extLst>
         </p:spPr>
       </p:pic>
       <p:pic>
         <p:nvPicPr>
-          <p:cNvPr id="7" name="Рисунок 6">
-            <a:extLst>
-              <a:ext uri="{FF2B5EF4-FFF2-40B4-BE49-F238E27FC236}">
-                <a16:creationId xmlns:a16="http://schemas.microsoft.com/office/drawing/2014/main" id="{FB7ADE25-FB24-44C0-BFA4-37DBEFCB7374}"/>
+          <p:cNvPr id="7" name="Изображение 6">
+            <a:extLst>
+              <a:ext uri="{FF2B5EF4-FFF2-40B4-BE49-F238E27FC236}">
+                <a16:creationId xmlns:a16="http://schemas.microsoft.com/office/drawing/2014/main" id="{C96E2652-A2DB-4D1D-B5AD-7EB96AB5666A}"/>
               </a:ext>
             </a:extLst>
           </p:cNvPr>
@@ -4757,8 +4649,8 @@
         </p:blipFill>
         <p:spPr>
           <a:xfrm>
-            <a:off x="5841888" y="3067180"/>
-            <a:ext cx="6120130" cy="1570990"/>
+            <a:off x="6868649" y="1914381"/>
+            <a:ext cx="2432846" cy="1389746"/>
           </a:xfrm>
           <a:prstGeom prst="rect">
             <a:avLst/>
@@ -4779,12 +4671,331 @@
           </a:effectLst>
         </p:spPr>
       </p:pic>
-      <p:sp>
-        <p:nvSpPr>
-          <p:cNvPr id="8" name="Знак ''плюс'' 7">
-            <a:extLst>
-              <a:ext uri="{FF2B5EF4-FFF2-40B4-BE49-F238E27FC236}">
-                <a16:creationId xmlns:a16="http://schemas.microsoft.com/office/drawing/2014/main" id="{145DCDD4-3556-4F84-86BC-FC294BB84A6C}"/>
+      <p:pic>
+        <p:nvPicPr>
+          <p:cNvPr id="9" name="Рисунок 8">
+            <a:extLst>
+              <a:ext uri="{FF2B5EF4-FFF2-40B4-BE49-F238E27FC236}">
+                <a16:creationId xmlns:a16="http://schemas.microsoft.com/office/drawing/2014/main" id="{6DD86003-C5A0-42CA-B25E-369C57F3115E}"/>
+              </a:ext>
+            </a:extLst>
+          </p:cNvPr>
+          <p:cNvPicPr>
+            <a:picLocks noChangeAspect="1"/>
+          </p:cNvPicPr>
+          <p:nvPr/>
+        </p:nvPicPr>
+        <p:blipFill>
+          <a:blip r:embed="rId6"/>
+          <a:stretch>
+            <a:fillRect/>
+          </a:stretch>
+        </p:blipFill>
+        <p:spPr>
+          <a:xfrm>
+            <a:off x="9727232" y="1690688"/>
+            <a:ext cx="1849980" cy="2172651"/>
+          </a:xfrm>
+          <a:prstGeom prst="rect">
+            <a:avLst/>
+          </a:prstGeom>
+          <a:ln w="38100" cap="sq">
+            <a:solidFill>
+              <a:srgbClr val="000000"/>
+            </a:solidFill>
+            <a:prstDash val="solid"/>
+            <a:miter lim="800000"/>
+          </a:ln>
+          <a:effectLst>
+            <a:outerShdw blurRad="50800" dist="38100" dir="2700000" algn="tl" rotWithShape="0">
+              <a:srgbClr val="000000">
+                <a:alpha val="43000"/>
+              </a:srgbClr>
+            </a:outerShdw>
+          </a:effectLst>
+        </p:spPr>
+      </p:pic>
+      <p:sp>
+        <p:nvSpPr>
+          <p:cNvPr id="10" name="TextBox 9">
+            <a:extLst>
+              <a:ext uri="{FF2B5EF4-FFF2-40B4-BE49-F238E27FC236}">
+                <a16:creationId xmlns:a16="http://schemas.microsoft.com/office/drawing/2014/main" id="{87A78A7B-CBDA-4F11-93B5-97DD68829AEA}"/>
+              </a:ext>
+            </a:extLst>
+          </p:cNvPr>
+          <p:cNvSpPr txBox="1"/>
+          <p:nvPr/>
+        </p:nvSpPr>
+        <p:spPr>
+          <a:xfrm>
+            <a:off x="262625" y="4330164"/>
+            <a:ext cx="1989550" cy="523220"/>
+          </a:xfrm>
+          <a:prstGeom prst="rect">
+            <a:avLst/>
+          </a:prstGeom>
+          <a:noFill/>
+        </p:spPr>
+        <p:txBody>
+          <a:bodyPr wrap="square" rtlCol="0">
+            <a:spAutoFit/>
+          </a:bodyPr>
+          <a:lstStyle/>
+          <a:p>
+            <a:r>
+              <a:rPr lang="en-US" sz="2800" dirty="0">
+                <a:solidFill>
+                  <a:schemeClr val="bg1"/>
+                </a:solidFill>
+                <a:latin typeface="Times New Roman" panose="02020603050405020304" pitchFamily="18" charset="0"/>
+                <a:cs typeface="Times New Roman" panose="02020603050405020304" pitchFamily="18" charset="0"/>
+              </a:rPr>
+              <a:t>1 </a:t>
+            </a:r>
+            <a:r>
+              <a:rPr lang="ru-RU" sz="2800" dirty="0">
+                <a:solidFill>
+                  <a:schemeClr val="bg1"/>
+                </a:solidFill>
+                <a:latin typeface="Times New Roman" panose="02020603050405020304" pitchFamily="18" charset="0"/>
+                <a:cs typeface="Times New Roman" panose="02020603050405020304" pitchFamily="18" charset="0"/>
+              </a:rPr>
+              <a:t>Действие</a:t>
+            </a:r>
+          </a:p>
+        </p:txBody>
+      </p:sp>
+      <p:sp>
+        <p:nvSpPr>
+          <p:cNvPr id="15" name="TextBox 14">
+            <a:extLst>
+              <a:ext uri="{FF2B5EF4-FFF2-40B4-BE49-F238E27FC236}">
+                <a16:creationId xmlns:a16="http://schemas.microsoft.com/office/drawing/2014/main" id="{26173AEA-3706-43C3-A04C-79316E889AB8}"/>
+              </a:ext>
+            </a:extLst>
+          </p:cNvPr>
+          <p:cNvSpPr txBox="1"/>
+          <p:nvPr/>
+        </p:nvSpPr>
+        <p:spPr>
+          <a:xfrm>
+            <a:off x="2252175" y="4330164"/>
+            <a:ext cx="1989550" cy="523220"/>
+          </a:xfrm>
+          <a:prstGeom prst="rect">
+            <a:avLst/>
+          </a:prstGeom>
+          <a:noFill/>
+        </p:spPr>
+        <p:txBody>
+          <a:bodyPr wrap="square" rtlCol="0">
+            <a:spAutoFit/>
+          </a:bodyPr>
+          <a:lstStyle/>
+          <a:p>
+            <a:r>
+              <a:rPr lang="ru-RU" sz="2800" dirty="0">
+                <a:solidFill>
+                  <a:schemeClr val="bg1"/>
+                </a:solidFill>
+                <a:latin typeface="Times New Roman" panose="02020603050405020304" pitchFamily="18" charset="0"/>
+                <a:cs typeface="Times New Roman" panose="02020603050405020304" pitchFamily="18" charset="0"/>
+              </a:rPr>
+              <a:t>2 Действие</a:t>
+            </a:r>
+          </a:p>
+        </p:txBody>
+      </p:sp>
+      <p:sp>
+        <p:nvSpPr>
+          <p:cNvPr id="16" name="TextBox 15">
+            <a:extLst>
+              <a:ext uri="{FF2B5EF4-FFF2-40B4-BE49-F238E27FC236}">
+                <a16:creationId xmlns:a16="http://schemas.microsoft.com/office/drawing/2014/main" id="{799401AC-E2C2-4DD2-9D1B-EF52C8F8C44B}"/>
+              </a:ext>
+            </a:extLst>
+          </p:cNvPr>
+          <p:cNvSpPr txBox="1"/>
+          <p:nvPr/>
+        </p:nvSpPr>
+        <p:spPr>
+          <a:xfrm>
+            <a:off x="4399793" y="4330164"/>
+            <a:ext cx="1989550" cy="523220"/>
+          </a:xfrm>
+          <a:prstGeom prst="rect">
+            <a:avLst/>
+          </a:prstGeom>
+          <a:noFill/>
+        </p:spPr>
+        <p:txBody>
+          <a:bodyPr wrap="square" rtlCol="0">
+            <a:spAutoFit/>
+          </a:bodyPr>
+          <a:lstStyle/>
+          <a:p>
+            <a:r>
+              <a:rPr lang="ru-RU" sz="2800" dirty="0">
+                <a:solidFill>
+                  <a:schemeClr val="bg1"/>
+                </a:solidFill>
+                <a:latin typeface="Times New Roman" panose="02020603050405020304" pitchFamily="18" charset="0"/>
+                <a:cs typeface="Times New Roman" panose="02020603050405020304" pitchFamily="18" charset="0"/>
+              </a:rPr>
+              <a:t>3</a:t>
+            </a:r>
+            <a:r>
+              <a:rPr lang="en-US" sz="2800" dirty="0">
+                <a:solidFill>
+                  <a:schemeClr val="bg1"/>
+                </a:solidFill>
+                <a:latin typeface="Times New Roman" panose="02020603050405020304" pitchFamily="18" charset="0"/>
+                <a:cs typeface="Times New Roman" panose="02020603050405020304" pitchFamily="18" charset="0"/>
+              </a:rPr>
+              <a:t> </a:t>
+            </a:r>
+            <a:r>
+              <a:rPr lang="ru-RU" sz="2800" dirty="0">
+                <a:solidFill>
+                  <a:schemeClr val="bg1"/>
+                </a:solidFill>
+                <a:latin typeface="Times New Roman" panose="02020603050405020304" pitchFamily="18" charset="0"/>
+                <a:cs typeface="Times New Roman" panose="02020603050405020304" pitchFamily="18" charset="0"/>
+              </a:rPr>
+              <a:t>Действие</a:t>
+            </a:r>
+          </a:p>
+        </p:txBody>
+      </p:sp>
+      <p:sp>
+        <p:nvSpPr>
+          <p:cNvPr id="17" name="TextBox 16">
+            <a:extLst>
+              <a:ext uri="{FF2B5EF4-FFF2-40B4-BE49-F238E27FC236}">
+                <a16:creationId xmlns:a16="http://schemas.microsoft.com/office/drawing/2014/main" id="{F37D5B98-AFD3-47BF-BE30-31CA1F2F93DC}"/>
+              </a:ext>
+            </a:extLst>
+          </p:cNvPr>
+          <p:cNvSpPr txBox="1"/>
+          <p:nvPr/>
+        </p:nvSpPr>
+        <p:spPr>
+          <a:xfrm>
+            <a:off x="7090297" y="4283121"/>
+            <a:ext cx="1989550" cy="523220"/>
+          </a:xfrm>
+          <a:prstGeom prst="rect">
+            <a:avLst/>
+          </a:prstGeom>
+          <a:noFill/>
+        </p:spPr>
+        <p:txBody>
+          <a:bodyPr wrap="square" rtlCol="0">
+            <a:spAutoFit/>
+          </a:bodyPr>
+          <a:lstStyle/>
+          <a:p>
+            <a:r>
+              <a:rPr lang="ru-RU" sz="2800" dirty="0">
+                <a:solidFill>
+                  <a:schemeClr val="bg1"/>
+                </a:solidFill>
+                <a:latin typeface="Times New Roman" panose="02020603050405020304" pitchFamily="18" charset="0"/>
+                <a:cs typeface="Times New Roman" panose="02020603050405020304" pitchFamily="18" charset="0"/>
+              </a:rPr>
+              <a:t>4</a:t>
+            </a:r>
+            <a:r>
+              <a:rPr lang="en-US" sz="2800" dirty="0">
+                <a:solidFill>
+                  <a:schemeClr val="bg1"/>
+                </a:solidFill>
+                <a:latin typeface="Times New Roman" panose="02020603050405020304" pitchFamily="18" charset="0"/>
+                <a:cs typeface="Times New Roman" panose="02020603050405020304" pitchFamily="18" charset="0"/>
+              </a:rPr>
+              <a:t> </a:t>
+            </a:r>
+            <a:r>
+              <a:rPr lang="ru-RU" sz="2800" dirty="0">
+                <a:solidFill>
+                  <a:schemeClr val="bg1"/>
+                </a:solidFill>
+                <a:latin typeface="Times New Roman" panose="02020603050405020304" pitchFamily="18" charset="0"/>
+                <a:cs typeface="Times New Roman" panose="02020603050405020304" pitchFamily="18" charset="0"/>
+              </a:rPr>
+              <a:t>Действие</a:t>
+            </a:r>
+          </a:p>
+        </p:txBody>
+      </p:sp>
+      <p:sp>
+        <p:nvSpPr>
+          <p:cNvPr id="18" name="TextBox 17">
+            <a:extLst>
+              <a:ext uri="{FF2B5EF4-FFF2-40B4-BE49-F238E27FC236}">
+                <a16:creationId xmlns:a16="http://schemas.microsoft.com/office/drawing/2014/main" id="{B8878F0F-C910-49B6-8BA9-B16205699F61}"/>
+              </a:ext>
+            </a:extLst>
+          </p:cNvPr>
+          <p:cNvSpPr txBox="1"/>
+          <p:nvPr/>
+        </p:nvSpPr>
+        <p:spPr>
+          <a:xfrm>
+            <a:off x="9560958" y="4283121"/>
+            <a:ext cx="1989550" cy="523220"/>
+          </a:xfrm>
+          <a:prstGeom prst="rect">
+            <a:avLst/>
+          </a:prstGeom>
+          <a:noFill/>
+        </p:spPr>
+        <p:txBody>
+          <a:bodyPr wrap="square" rtlCol="0">
+            <a:spAutoFit/>
+          </a:bodyPr>
+          <a:lstStyle/>
+          <a:p>
+            <a:r>
+              <a:rPr lang="ru-RU" sz="2800" dirty="0">
+                <a:solidFill>
+                  <a:schemeClr val="bg1"/>
+                </a:solidFill>
+                <a:latin typeface="Times New Roman" panose="02020603050405020304" pitchFamily="18" charset="0"/>
+                <a:cs typeface="Times New Roman" panose="02020603050405020304" pitchFamily="18" charset="0"/>
+              </a:rPr>
+              <a:t>5</a:t>
+            </a:r>
+            <a:r>
+              <a:rPr lang="en-US" sz="2800" dirty="0">
+                <a:solidFill>
+                  <a:schemeClr val="bg1"/>
+                </a:solidFill>
+                <a:latin typeface="Times New Roman" panose="02020603050405020304" pitchFamily="18" charset="0"/>
+                <a:cs typeface="Times New Roman" panose="02020603050405020304" pitchFamily="18" charset="0"/>
+              </a:rPr>
+              <a:t> </a:t>
+            </a:r>
+            <a:r>
+              <a:rPr lang="ru-RU" sz="2800" dirty="0">
+                <a:solidFill>
+                  <a:schemeClr val="bg1"/>
+                </a:solidFill>
+                <a:latin typeface="Times New Roman" panose="02020603050405020304" pitchFamily="18" charset="0"/>
+                <a:cs typeface="Times New Roman" panose="02020603050405020304" pitchFamily="18" charset="0"/>
+              </a:rPr>
+              <a:t>Действие</a:t>
+            </a:r>
+          </a:p>
+        </p:txBody>
+      </p:sp>
+      <p:sp>
+        <p:nvSpPr>
+          <p:cNvPr id="21" name="Стрелка: вправо 20">
+            <a:extLst>
+              <a:ext uri="{FF2B5EF4-FFF2-40B4-BE49-F238E27FC236}">
+                <a16:creationId xmlns:a16="http://schemas.microsoft.com/office/drawing/2014/main" id="{51C7BFEB-4AFD-4D2A-B6E7-8E7E9B145CA7}"/>
               </a:ext>
             </a:extLst>
           </p:cNvPr>
@@ -4793,10 +5004,10 @@
         </p:nvSpPr>
         <p:spPr>
           <a:xfrm>
-            <a:off x="1386616" y="4222880"/>
-            <a:ext cx="830580" cy="830580"/>
-          </a:xfrm>
-          <a:prstGeom prst="mathPlus">
+            <a:off x="322729" y="5217459"/>
+            <a:ext cx="1559859" cy="304800"/>
+          </a:xfrm>
+          <a:prstGeom prst="rightArrow">
             <a:avLst/>
           </a:prstGeom>
         </p:spPr>
@@ -4819,16 +5030,16 @@
           <a:lstStyle/>
           <a:p>
             <a:pPr algn="ctr"/>
-            <a:endParaRPr lang="ru-RU" dirty="0"/>
-          </a:p>
-        </p:txBody>
-      </p:sp>
-      <p:sp>
-        <p:nvSpPr>
-          <p:cNvPr id="9" name="Знак ''плюс'' 8">
-            <a:extLst>
-              <a:ext uri="{FF2B5EF4-FFF2-40B4-BE49-F238E27FC236}">
-                <a16:creationId xmlns:a16="http://schemas.microsoft.com/office/drawing/2014/main" id="{D406FCA1-B7A8-4BDB-B6ED-76AB0A46867A}"/>
+            <a:endParaRPr lang="ru-RU"/>
+          </a:p>
+        </p:txBody>
+      </p:sp>
+      <p:sp>
+        <p:nvSpPr>
+          <p:cNvPr id="22" name="Стрелка: вправо 21">
+            <a:extLst>
+              <a:ext uri="{FF2B5EF4-FFF2-40B4-BE49-F238E27FC236}">
+                <a16:creationId xmlns:a16="http://schemas.microsoft.com/office/drawing/2014/main" id="{8CEBE8A3-5BFB-4A04-A4E0-4C3F9006F979}"/>
               </a:ext>
             </a:extLst>
           </p:cNvPr>
@@ -4837,10 +5048,10 @@
         </p:nvSpPr>
         <p:spPr>
           <a:xfrm>
-            <a:off x="1386616" y="2545862"/>
-            <a:ext cx="830580" cy="830580"/>
-          </a:xfrm>
-          <a:prstGeom prst="mathPlus">
+            <a:off x="2387256" y="5217459"/>
+            <a:ext cx="1559859" cy="304800"/>
+          </a:xfrm>
+          <a:prstGeom prst="rightArrow">
             <a:avLst/>
           </a:prstGeom>
         </p:spPr>
@@ -4863,16 +5074,16 @@
           <a:lstStyle/>
           <a:p>
             <a:pPr algn="ctr"/>
-            <a:endParaRPr lang="ru-RU" dirty="0"/>
-          </a:p>
-        </p:txBody>
-      </p:sp>
-      <p:sp>
-        <p:nvSpPr>
-          <p:cNvPr id="10" name="Равно 9">
-            <a:extLst>
-              <a:ext uri="{FF2B5EF4-FFF2-40B4-BE49-F238E27FC236}">
-                <a16:creationId xmlns:a16="http://schemas.microsoft.com/office/drawing/2014/main" id="{43AAFF1E-D531-4F04-A132-B3C1FD1960C9}"/>
+            <a:endParaRPr lang="ru-RU"/>
+          </a:p>
+        </p:txBody>
+      </p:sp>
+      <p:sp>
+        <p:nvSpPr>
+          <p:cNvPr id="23" name="Стрелка: вправо 22">
+            <a:extLst>
+              <a:ext uri="{FF2B5EF4-FFF2-40B4-BE49-F238E27FC236}">
+                <a16:creationId xmlns:a16="http://schemas.microsoft.com/office/drawing/2014/main" id="{B1AC5215-D520-4AA0-963A-0A6F9D7F505F}"/>
               </a:ext>
             </a:extLst>
           </p:cNvPr>
@@ -4880,11 +5091,11 @@
           <p:nvPr/>
         </p:nvSpPr>
         <p:spPr>
-          <a:xfrm>
-            <a:off x="3883305" y="3376442"/>
-            <a:ext cx="1568824" cy="917817"/>
-          </a:xfrm>
-          <a:prstGeom prst="mathEqual">
+          <a:xfrm rot="19394233">
+            <a:off x="9707625" y="5141400"/>
+            <a:ext cx="1114433" cy="304800"/>
+          </a:xfrm>
+          <a:prstGeom prst="rightArrow">
             <a:avLst/>
           </a:prstGeom>
         </p:spPr>
@@ -4907,6 +5118,460 @@
           <a:lstStyle/>
           <a:p>
             <a:pPr algn="ctr"/>
+            <a:endParaRPr lang="ru-RU"/>
+          </a:p>
+        </p:txBody>
+      </p:sp>
+      <p:sp>
+        <p:nvSpPr>
+          <p:cNvPr id="24" name="Стрелка: вправо 23">
+            <a:extLst>
+              <a:ext uri="{FF2B5EF4-FFF2-40B4-BE49-F238E27FC236}">
+                <a16:creationId xmlns:a16="http://schemas.microsoft.com/office/drawing/2014/main" id="{3E30D1A7-5E6E-429A-9C4E-C014B544FCEF}"/>
+              </a:ext>
+            </a:extLst>
+          </p:cNvPr>
+          <p:cNvSpPr/>
+          <p:nvPr/>
+        </p:nvSpPr>
+        <p:spPr>
+          <a:xfrm>
+            <a:off x="7207623" y="5217459"/>
+            <a:ext cx="1559859" cy="304800"/>
+          </a:xfrm>
+          <a:prstGeom prst="rightArrow">
+            <a:avLst/>
+          </a:prstGeom>
+        </p:spPr>
+        <p:style>
+          <a:lnRef idx="1">
+            <a:schemeClr val="accent1"/>
+          </a:lnRef>
+          <a:fillRef idx="2">
+            <a:schemeClr val="accent1"/>
+          </a:fillRef>
+          <a:effectRef idx="1">
+            <a:schemeClr val="accent1"/>
+          </a:effectRef>
+          <a:fontRef idx="minor">
+            <a:schemeClr val="dk1"/>
+          </a:fontRef>
+        </p:style>
+        <p:txBody>
+          <a:bodyPr rtlCol="0" anchor="ctr"/>
+          <a:lstStyle/>
+          <a:p>
+            <a:pPr algn="ctr"/>
+            <a:endParaRPr lang="ru-RU"/>
+          </a:p>
+        </p:txBody>
+      </p:sp>
+      <p:sp>
+        <p:nvSpPr>
+          <p:cNvPr id="25" name="Стрелка: вправо 24">
+            <a:extLst>
+              <a:ext uri="{FF2B5EF4-FFF2-40B4-BE49-F238E27FC236}">
+                <a16:creationId xmlns:a16="http://schemas.microsoft.com/office/drawing/2014/main" id="{F93BE9B0-AA8A-4998-AB4D-3E2935720F3C}"/>
+              </a:ext>
+            </a:extLst>
+          </p:cNvPr>
+          <p:cNvSpPr/>
+          <p:nvPr/>
+        </p:nvSpPr>
+        <p:spPr>
+          <a:xfrm>
+            <a:off x="4716944" y="5217459"/>
+            <a:ext cx="1559859" cy="304800"/>
+          </a:xfrm>
+          <a:prstGeom prst="rightArrow">
+            <a:avLst/>
+          </a:prstGeom>
+        </p:spPr>
+        <p:style>
+          <a:lnRef idx="1">
+            <a:schemeClr val="accent1"/>
+          </a:lnRef>
+          <a:fillRef idx="2">
+            <a:schemeClr val="accent1"/>
+          </a:fillRef>
+          <a:effectRef idx="1">
+            <a:schemeClr val="accent1"/>
+          </a:effectRef>
+          <a:fontRef idx="minor">
+            <a:schemeClr val="dk1"/>
+          </a:fontRef>
+        </p:style>
+        <p:txBody>
+          <a:bodyPr rtlCol="0" anchor="ctr"/>
+          <a:lstStyle/>
+          <a:p>
+            <a:pPr algn="ctr"/>
+            <a:endParaRPr lang="ru-RU"/>
+          </a:p>
+        </p:txBody>
+      </p:sp>
+    </p:spTree>
+    <p:extLst>
+      <p:ext uri="{BB962C8B-B14F-4D97-AF65-F5344CB8AC3E}">
+        <p14:creationId xmlns:p14="http://schemas.microsoft.com/office/powerpoint/2010/main" val="1910954106"/>
+      </p:ext>
+    </p:extLst>
+  </p:cSld>
+  <p:clrMapOvr>
+    <a:masterClrMapping/>
+  </p:clrMapOvr>
+</p:sld>
+</file>
+
+<file path=ppt/slides/slide5.xml><?xml version="1.0" encoding="utf-8"?>
+<p:sld xmlns:a="http://schemas.openxmlformats.org/drawingml/2006/main" xmlns:r="http://schemas.openxmlformats.org/officeDocument/2006/relationships" xmlns:p="http://schemas.openxmlformats.org/presentationml/2006/main">
+  <p:cSld>
+    <p:spTree>
+      <p:nvGrpSpPr>
+        <p:cNvPr id="1" name=""/>
+        <p:cNvGrpSpPr/>
+        <p:nvPr/>
+      </p:nvGrpSpPr>
+      <p:grpSpPr>
+        <a:xfrm>
+          <a:off x="0" y="0"/>
+          <a:ext cx="0" cy="0"/>
+          <a:chOff x="0" y="0"/>
+          <a:chExt cx="0" cy="0"/>
+        </a:xfrm>
+      </p:grpSpPr>
+      <p:sp>
+        <p:nvSpPr>
+          <p:cNvPr id="2" name="Заголовок 1">
+            <a:extLst>
+              <a:ext uri="{FF2B5EF4-FFF2-40B4-BE49-F238E27FC236}">
+                <a16:creationId xmlns:a16="http://schemas.microsoft.com/office/drawing/2014/main" id="{DC871A82-55CB-475A-A1B9-E41FA806D127}"/>
+              </a:ext>
+            </a:extLst>
+          </p:cNvPr>
+          <p:cNvSpPr>
+            <a:spLocks noGrp="1"/>
+          </p:cNvSpPr>
+          <p:nvPr>
+            <p:ph type="title"/>
+          </p:nvPr>
+        </p:nvSpPr>
+        <p:spPr/>
+        <p:txBody>
+          <a:bodyPr>
+            <a:normAutofit/>
+          </a:bodyPr>
+          <a:lstStyle/>
+          <a:p>
+            <a:r>
+              <a:rPr lang="ru-RU" sz="4000" dirty="0">
+                <a:solidFill>
+                  <a:schemeClr val="bg1"/>
+                </a:solidFill>
+                <a:latin typeface="Times New Roman" panose="02020603050405020304" pitchFamily="18" charset="0"/>
+                <a:cs typeface="Times New Roman" panose="02020603050405020304" pitchFamily="18" charset="0"/>
+              </a:rPr>
+              <a:t>Разработка сценариев резервного копирования</a:t>
+            </a:r>
+          </a:p>
+        </p:txBody>
+      </p:sp>
+      <p:pic>
+        <p:nvPicPr>
+          <p:cNvPr id="4" name="Рисунок 3">
+            <a:extLst>
+              <a:ext uri="{FF2B5EF4-FFF2-40B4-BE49-F238E27FC236}">
+                <a16:creationId xmlns:a16="http://schemas.microsoft.com/office/drawing/2014/main" id="{85F7C5B5-D943-4BFC-B82A-B8467F3B8B62}"/>
+              </a:ext>
+            </a:extLst>
+          </p:cNvPr>
+          <p:cNvPicPr/>
+          <p:nvPr/>
+        </p:nvPicPr>
+        <p:blipFill>
+          <a:blip r:embed="rId2"/>
+          <a:stretch>
+            <a:fillRect/>
+          </a:stretch>
+        </p:blipFill>
+        <p:spPr>
+          <a:xfrm>
+            <a:off x="338866" y="1782746"/>
+            <a:ext cx="2926080" cy="754380"/>
+          </a:xfrm>
+          <a:prstGeom prst="rect">
+            <a:avLst/>
+          </a:prstGeom>
+          <a:ln w="38100" cap="sq">
+            <a:solidFill>
+              <a:srgbClr val="000000"/>
+            </a:solidFill>
+            <a:prstDash val="solid"/>
+            <a:miter lim="800000"/>
+          </a:ln>
+          <a:effectLst>
+            <a:outerShdw blurRad="50800" dist="38100" dir="2700000" algn="tl" rotWithShape="0">
+              <a:srgbClr val="000000">
+                <a:alpha val="43000"/>
+              </a:srgbClr>
+            </a:outerShdw>
+          </a:effectLst>
+        </p:spPr>
+      </p:pic>
+      <p:pic>
+        <p:nvPicPr>
+          <p:cNvPr id="5" name="Рисунок 4">
+            <a:extLst>
+              <a:ext uri="{FF2B5EF4-FFF2-40B4-BE49-F238E27FC236}">
+                <a16:creationId xmlns:a16="http://schemas.microsoft.com/office/drawing/2014/main" id="{98CE54B6-721A-4B45-A4FD-7CBEA43191D6}"/>
+              </a:ext>
+            </a:extLst>
+          </p:cNvPr>
+          <p:cNvPicPr/>
+          <p:nvPr/>
+        </p:nvPicPr>
+        <p:blipFill>
+          <a:blip r:embed="rId3"/>
+          <a:stretch>
+            <a:fillRect/>
+          </a:stretch>
+        </p:blipFill>
+        <p:spPr>
+          <a:xfrm>
+            <a:off x="338866" y="3392300"/>
+            <a:ext cx="3154680" cy="830580"/>
+          </a:xfrm>
+          <a:prstGeom prst="rect">
+            <a:avLst/>
+          </a:prstGeom>
+          <a:ln w="38100" cap="sq">
+            <a:solidFill>
+              <a:srgbClr val="000000"/>
+            </a:solidFill>
+            <a:prstDash val="solid"/>
+            <a:miter lim="800000"/>
+          </a:ln>
+          <a:effectLst>
+            <a:outerShdw blurRad="50800" dist="38100" dir="2700000" algn="tl" rotWithShape="0">
+              <a:srgbClr val="000000">
+                <a:alpha val="43000"/>
+              </a:srgbClr>
+            </a:outerShdw>
+          </a:effectLst>
+        </p:spPr>
+      </p:pic>
+      <p:pic>
+        <p:nvPicPr>
+          <p:cNvPr id="6" name="Рисунок 5">
+            <a:extLst>
+              <a:ext uri="{FF2B5EF4-FFF2-40B4-BE49-F238E27FC236}">
+                <a16:creationId xmlns:a16="http://schemas.microsoft.com/office/drawing/2014/main" id="{F2941E04-C47D-4A07-B07F-180F3BC19E4D}"/>
+              </a:ext>
+            </a:extLst>
+          </p:cNvPr>
+          <p:cNvPicPr/>
+          <p:nvPr/>
+        </p:nvPicPr>
+        <p:blipFill>
+          <a:blip r:embed="rId4"/>
+          <a:stretch>
+            <a:fillRect/>
+          </a:stretch>
+        </p:blipFill>
+        <p:spPr>
+          <a:xfrm>
+            <a:off x="338866" y="5069318"/>
+            <a:ext cx="3116580" cy="845820"/>
+          </a:xfrm>
+          <a:prstGeom prst="rect">
+            <a:avLst/>
+          </a:prstGeom>
+          <a:ln w="38100" cap="sq">
+            <a:solidFill>
+              <a:srgbClr val="000000"/>
+            </a:solidFill>
+            <a:prstDash val="solid"/>
+            <a:miter lim="800000"/>
+          </a:ln>
+          <a:effectLst>
+            <a:outerShdw blurRad="50800" dist="38100" dir="2700000" algn="tl" rotWithShape="0">
+              <a:srgbClr val="000000">
+                <a:alpha val="43000"/>
+              </a:srgbClr>
+            </a:outerShdw>
+          </a:effectLst>
+        </p:spPr>
+      </p:pic>
+      <p:pic>
+        <p:nvPicPr>
+          <p:cNvPr id="7" name="Рисунок 6">
+            <a:extLst>
+              <a:ext uri="{FF2B5EF4-FFF2-40B4-BE49-F238E27FC236}">
+                <a16:creationId xmlns:a16="http://schemas.microsoft.com/office/drawing/2014/main" id="{FB7ADE25-FB24-44C0-BFA4-37DBEFCB7374}"/>
+              </a:ext>
+            </a:extLst>
+          </p:cNvPr>
+          <p:cNvPicPr/>
+          <p:nvPr/>
+        </p:nvPicPr>
+        <p:blipFill>
+          <a:blip r:embed="rId5"/>
+          <a:stretch>
+            <a:fillRect/>
+          </a:stretch>
+        </p:blipFill>
+        <p:spPr>
+          <a:xfrm>
+            <a:off x="5841888" y="3067180"/>
+            <a:ext cx="6120130" cy="1570990"/>
+          </a:xfrm>
+          <a:prstGeom prst="rect">
+            <a:avLst/>
+          </a:prstGeom>
+          <a:ln w="38100" cap="sq">
+            <a:solidFill>
+              <a:srgbClr val="000000"/>
+            </a:solidFill>
+            <a:prstDash val="solid"/>
+            <a:miter lim="800000"/>
+          </a:ln>
+          <a:effectLst>
+            <a:outerShdw blurRad="50800" dist="38100" dir="2700000" algn="tl" rotWithShape="0">
+              <a:srgbClr val="000000">
+                <a:alpha val="43000"/>
+              </a:srgbClr>
+            </a:outerShdw>
+          </a:effectLst>
+        </p:spPr>
+      </p:pic>
+      <p:sp>
+        <p:nvSpPr>
+          <p:cNvPr id="8" name="Знак ''плюс'' 7">
+            <a:extLst>
+              <a:ext uri="{FF2B5EF4-FFF2-40B4-BE49-F238E27FC236}">
+                <a16:creationId xmlns:a16="http://schemas.microsoft.com/office/drawing/2014/main" id="{145DCDD4-3556-4F84-86BC-FC294BB84A6C}"/>
+              </a:ext>
+            </a:extLst>
+          </p:cNvPr>
+          <p:cNvSpPr/>
+          <p:nvPr/>
+        </p:nvSpPr>
+        <p:spPr>
+          <a:xfrm>
+            <a:off x="1386616" y="4222880"/>
+            <a:ext cx="830580" cy="830580"/>
+          </a:xfrm>
+          <a:prstGeom prst="mathPlus">
+            <a:avLst/>
+          </a:prstGeom>
+        </p:spPr>
+        <p:style>
+          <a:lnRef idx="1">
+            <a:schemeClr val="accent1"/>
+          </a:lnRef>
+          <a:fillRef idx="2">
+            <a:schemeClr val="accent1"/>
+          </a:fillRef>
+          <a:effectRef idx="1">
+            <a:schemeClr val="accent1"/>
+          </a:effectRef>
+          <a:fontRef idx="minor">
+            <a:schemeClr val="dk1"/>
+          </a:fontRef>
+        </p:style>
+        <p:txBody>
+          <a:bodyPr rtlCol="0" anchor="ctr"/>
+          <a:lstStyle/>
+          <a:p>
+            <a:pPr algn="ctr"/>
+            <a:endParaRPr lang="ru-RU" dirty="0"/>
+          </a:p>
+        </p:txBody>
+      </p:sp>
+      <p:sp>
+        <p:nvSpPr>
+          <p:cNvPr id="9" name="Знак ''плюс'' 8">
+            <a:extLst>
+              <a:ext uri="{FF2B5EF4-FFF2-40B4-BE49-F238E27FC236}">
+                <a16:creationId xmlns:a16="http://schemas.microsoft.com/office/drawing/2014/main" id="{D406FCA1-B7A8-4BDB-B6ED-76AB0A46867A}"/>
+              </a:ext>
+            </a:extLst>
+          </p:cNvPr>
+          <p:cNvSpPr/>
+          <p:nvPr/>
+        </p:nvSpPr>
+        <p:spPr>
+          <a:xfrm>
+            <a:off x="1386616" y="2545862"/>
+            <a:ext cx="830580" cy="830580"/>
+          </a:xfrm>
+          <a:prstGeom prst="mathPlus">
+            <a:avLst/>
+          </a:prstGeom>
+        </p:spPr>
+        <p:style>
+          <a:lnRef idx="1">
+            <a:schemeClr val="accent1"/>
+          </a:lnRef>
+          <a:fillRef idx="2">
+            <a:schemeClr val="accent1"/>
+          </a:fillRef>
+          <a:effectRef idx="1">
+            <a:schemeClr val="accent1"/>
+          </a:effectRef>
+          <a:fontRef idx="minor">
+            <a:schemeClr val="dk1"/>
+          </a:fontRef>
+        </p:style>
+        <p:txBody>
+          <a:bodyPr rtlCol="0" anchor="ctr"/>
+          <a:lstStyle/>
+          <a:p>
+            <a:pPr algn="ctr"/>
+            <a:endParaRPr lang="ru-RU" dirty="0"/>
+          </a:p>
+        </p:txBody>
+      </p:sp>
+      <p:sp>
+        <p:nvSpPr>
+          <p:cNvPr id="10" name="Равно 9">
+            <a:extLst>
+              <a:ext uri="{FF2B5EF4-FFF2-40B4-BE49-F238E27FC236}">
+                <a16:creationId xmlns:a16="http://schemas.microsoft.com/office/drawing/2014/main" id="{43AAFF1E-D531-4F04-A132-B3C1FD1960C9}"/>
+              </a:ext>
+            </a:extLst>
+          </p:cNvPr>
+          <p:cNvSpPr/>
+          <p:nvPr/>
+        </p:nvSpPr>
+        <p:spPr>
+          <a:xfrm>
+            <a:off x="3883305" y="3376442"/>
+            <a:ext cx="1568824" cy="917817"/>
+          </a:xfrm>
+          <a:prstGeom prst="mathEqual">
+            <a:avLst/>
+          </a:prstGeom>
+        </p:spPr>
+        <p:style>
+          <a:lnRef idx="1">
+            <a:schemeClr val="accent1"/>
+          </a:lnRef>
+          <a:fillRef idx="2">
+            <a:schemeClr val="accent1"/>
+          </a:fillRef>
+          <a:effectRef idx="1">
+            <a:schemeClr val="accent1"/>
+          </a:effectRef>
+          <a:fontRef idx="minor">
+            <a:schemeClr val="dk1"/>
+          </a:fontRef>
+        </p:style>
+        <p:txBody>
+          <a:bodyPr rtlCol="0" anchor="ctr"/>
+          <a:lstStyle/>
+          <a:p>
+            <a:pPr algn="ctr"/>
             <a:endParaRPr lang="ru-RU">
               <a:solidFill>
                 <a:schemeClr val="tx1"/>
@@ -4928,7 +5593,7 @@
 </p:sld>
 </file>
 
-<file path=ppt/slides/slide5.xml><?xml version="1.0" encoding="utf-8"?>
+<file path=ppt/slides/slide6.xml><?xml version="1.0" encoding="utf-8"?>
 <p:sld xmlns:a="http://schemas.openxmlformats.org/drawingml/2006/main" xmlns:r="http://schemas.openxmlformats.org/officeDocument/2006/relationships" xmlns:p="http://schemas.openxmlformats.org/presentationml/2006/main">
   <p:cSld>
     <p:spTree>
@@ -5380,7 +6045,7 @@
 </p:sld>
 </file>
 
-<file path=ppt/slides/slide6.xml><?xml version="1.0" encoding="utf-8"?>
+<file path=ppt/slides/slide7.xml><?xml version="1.0" encoding="utf-8"?>
 <p:sld xmlns:a="http://schemas.openxmlformats.org/drawingml/2006/main" xmlns:r="http://schemas.openxmlformats.org/officeDocument/2006/relationships" xmlns:p="http://schemas.openxmlformats.org/presentationml/2006/main">
   <p:cSld>
     <p:spTree>
@@ -5504,7 +6169,7 @@
 </p:sld>
 </file>
 
-<file path=ppt/slides/slide7.xml><?xml version="1.0" encoding="utf-8"?>
+<file path=ppt/slides/slide8.xml><?xml version="1.0" encoding="utf-8"?>
 <p:sld xmlns:a="http://schemas.openxmlformats.org/drawingml/2006/main" xmlns:r="http://schemas.openxmlformats.org/officeDocument/2006/relationships" xmlns:p="http://schemas.openxmlformats.org/presentationml/2006/main">
   <p:cSld>
     <p:spTree>
@@ -5637,7 +6302,29 @@
                 <a:ea typeface="Times New Roman" panose="02020603050405020304" pitchFamily="18" charset="0"/>
                 <a:cs typeface="Times New Roman" panose="02020603050405020304" pitchFamily="18" charset="0"/>
               </a:rPr>
-              <a:t>В настоящее время автоматизация процессов играет важную роль в эффективном управлении организациями, включая сервисы доставки готовой еды. Автоматизация обработки и хранения информации позволяет сократить время, улучшить качество работы, повысить эффективность и уменьшить вероятность ошибок.</a:t>
+              <a:t>В настоящее время автоматизация процессов играет важную роль в эффективном управлении организациями, включая </a:t>
+            </a:r>
+            <a:r>
+              <a:rPr lang="ru-RU" dirty="0">
+                <a:solidFill>
+                  <a:schemeClr val="bg1"/>
+                </a:solidFill>
+                <a:latin typeface="Times New Roman" panose="02020603050405020304" pitchFamily="18" charset="0"/>
+                <a:cs typeface="Times New Roman" panose="02020603050405020304" pitchFamily="18" charset="0"/>
+              </a:rPr>
+              <a:t>управления процессом городского планирования и развития</a:t>
+            </a:r>
+            <a:r>
+              <a:rPr lang="ru-RU" sz="1800" kern="50" dirty="0">
+                <a:solidFill>
+                  <a:schemeClr val="bg1"/>
+                </a:solidFill>
+                <a:effectLst/>
+                <a:latin typeface="Times New Roman" panose="02020603050405020304" pitchFamily="18" charset="0"/>
+                <a:ea typeface="Times New Roman" panose="02020603050405020304" pitchFamily="18" charset="0"/>
+                <a:cs typeface="Times New Roman" panose="02020603050405020304" pitchFamily="18" charset="0"/>
+              </a:rPr>
+              <a:t>. Автоматизация обработки и хранения информации позволяет сократить время, улучшить качество работы, повысить эффективность и уменьшить вероятность ошибок.</a:t>
             </a:r>
             <a:endParaRPr lang="ru-RU" sz="1800" kern="50" dirty="0">
               <a:solidFill>
@@ -5704,7 +6391,7 @@
 </p:sld>
 </file>
 
-<file path=ppt/slides/slide8.xml><?xml version="1.0" encoding="utf-8"?>
+<file path=ppt/slides/slide9.xml><?xml version="1.0" encoding="utf-8"?>
 <p:sld xmlns:a="http://schemas.openxmlformats.org/drawingml/2006/main" xmlns:r="http://schemas.openxmlformats.org/officeDocument/2006/relationships" xmlns:p="http://schemas.openxmlformats.org/presentationml/2006/main">
   <p:cSld>
     <p:spTree>
